--- a/software/foras-promineo/Foras Promineo Software Primer.pptx
+++ b/software/foras-promineo/Foras Promineo Software Primer.pptx
@@ -201,10 +201,9 @@
           </a:lstStyle>
           <a:p>
             <a:r>
-              <a:rPr lang="en-US" smtClean="0"/>
+              <a:rPr lang="en-US"/>
               <a:t>Click to edit Master title style</a:t>
             </a:r>
-            <a:endParaRPr lang="en-US"/>
           </a:p>
         </p:txBody>
       </p:sp>
@@ -266,10 +265,9 @@
           </a:lstStyle>
           <a:p>
             <a:r>
-              <a:rPr lang="en-US" smtClean="0"/>
+              <a:rPr lang="en-US"/>
               <a:t>Click to edit Master subtitle style</a:t>
             </a:r>
-            <a:endParaRPr lang="en-US"/>
           </a:p>
         </p:txBody>
       </p:sp>
@@ -384,10 +382,9 @@
           <a:lstStyle/>
           <a:p>
             <a:r>
-              <a:rPr lang="en-US" smtClean="0"/>
+              <a:rPr lang="en-US"/>
               <a:t>Click to edit Master title style</a:t>
             </a:r>
-            <a:endParaRPr lang="en-US"/>
           </a:p>
         </p:txBody>
       </p:sp>
@@ -408,38 +405,37 @@
           <a:p>
             <a:pPr lvl="0"/>
             <a:r>
-              <a:rPr lang="en-US" smtClean="0"/>
+              <a:rPr lang="en-US"/>
               <a:t>Click to edit Master text styles</a:t>
             </a:r>
           </a:p>
           <a:p>
             <a:pPr lvl="1"/>
             <a:r>
-              <a:rPr lang="en-US" smtClean="0"/>
+              <a:rPr lang="en-US"/>
               <a:t>Second level</a:t>
             </a:r>
           </a:p>
           <a:p>
             <a:pPr lvl="2"/>
             <a:r>
-              <a:rPr lang="en-US" smtClean="0"/>
+              <a:rPr lang="en-US"/>
               <a:t>Third level</a:t>
             </a:r>
           </a:p>
           <a:p>
             <a:pPr lvl="3"/>
             <a:r>
-              <a:rPr lang="en-US" smtClean="0"/>
+              <a:rPr lang="en-US"/>
               <a:t>Fourth level</a:t>
             </a:r>
           </a:p>
           <a:p>
             <a:pPr lvl="4"/>
             <a:r>
-              <a:rPr lang="en-US" smtClean="0"/>
+              <a:rPr lang="en-US"/>
               <a:t>Fifth level</a:t>
             </a:r>
-            <a:endParaRPr lang="en-US"/>
           </a:p>
         </p:txBody>
       </p:sp>
@@ -559,10 +555,9 @@
           <a:lstStyle/>
           <a:p>
             <a:r>
-              <a:rPr lang="en-US" smtClean="0"/>
+              <a:rPr lang="en-US"/>
               <a:t>Click to edit Master title style</a:t>
             </a:r>
-            <a:endParaRPr lang="en-US"/>
           </a:p>
         </p:txBody>
       </p:sp>
@@ -588,38 +583,37 @@
           <a:p>
             <a:pPr lvl="0"/>
             <a:r>
-              <a:rPr lang="en-US" smtClean="0"/>
+              <a:rPr lang="en-US"/>
               <a:t>Click to edit Master text styles</a:t>
             </a:r>
           </a:p>
           <a:p>
             <a:pPr lvl="1"/>
             <a:r>
-              <a:rPr lang="en-US" smtClean="0"/>
+              <a:rPr lang="en-US"/>
               <a:t>Second level</a:t>
             </a:r>
           </a:p>
           <a:p>
             <a:pPr lvl="2"/>
             <a:r>
-              <a:rPr lang="en-US" smtClean="0"/>
+              <a:rPr lang="en-US"/>
               <a:t>Third level</a:t>
             </a:r>
           </a:p>
           <a:p>
             <a:pPr lvl="3"/>
             <a:r>
-              <a:rPr lang="en-US" smtClean="0"/>
+              <a:rPr lang="en-US"/>
               <a:t>Fourth level</a:t>
             </a:r>
           </a:p>
           <a:p>
             <a:pPr lvl="4"/>
             <a:r>
-              <a:rPr lang="en-US" smtClean="0"/>
+              <a:rPr lang="en-US"/>
               <a:t>Fifth level</a:t>
             </a:r>
-            <a:endParaRPr lang="en-US"/>
           </a:p>
         </p:txBody>
       </p:sp>
@@ -734,10 +728,9 @@
           <a:lstStyle/>
           <a:p>
             <a:r>
-              <a:rPr lang="en-US" smtClean="0"/>
+              <a:rPr lang="en-US"/>
               <a:t>Click to edit Master title style</a:t>
             </a:r>
-            <a:endParaRPr lang="en-US"/>
           </a:p>
         </p:txBody>
       </p:sp>
@@ -758,38 +751,37 @@
           <a:p>
             <a:pPr lvl="0"/>
             <a:r>
-              <a:rPr lang="en-US" smtClean="0"/>
+              <a:rPr lang="en-US"/>
               <a:t>Click to edit Master text styles</a:t>
             </a:r>
           </a:p>
           <a:p>
             <a:pPr lvl="1"/>
             <a:r>
-              <a:rPr lang="en-US" smtClean="0"/>
+              <a:rPr lang="en-US"/>
               <a:t>Second level</a:t>
             </a:r>
           </a:p>
           <a:p>
             <a:pPr lvl="2"/>
             <a:r>
-              <a:rPr lang="en-US" smtClean="0"/>
+              <a:rPr lang="en-US"/>
               <a:t>Third level</a:t>
             </a:r>
           </a:p>
           <a:p>
             <a:pPr lvl="3"/>
             <a:r>
-              <a:rPr lang="en-US" smtClean="0"/>
+              <a:rPr lang="en-US"/>
               <a:t>Fourth level</a:t>
             </a:r>
           </a:p>
           <a:p>
             <a:pPr lvl="4"/>
             <a:r>
-              <a:rPr lang="en-US" smtClean="0"/>
+              <a:rPr lang="en-US"/>
               <a:t>Fifth level</a:t>
             </a:r>
-            <a:endParaRPr lang="en-US"/>
           </a:p>
         </p:txBody>
       </p:sp>
@@ -913,10 +905,9 @@
           </a:lstStyle>
           <a:p>
             <a:r>
-              <a:rPr lang="en-US" smtClean="0"/>
+              <a:rPr lang="en-US"/>
               <a:t>Click to edit Master title style</a:t>
             </a:r>
-            <a:endParaRPr lang="en-US"/>
           </a:p>
         </p:txBody>
       </p:sp>
@@ -1033,7 +1024,7 @@
           <a:p>
             <a:pPr lvl="0"/>
             <a:r>
-              <a:rPr lang="en-US" smtClean="0"/>
+              <a:rPr lang="en-US"/>
               <a:t>Click to edit Master text styles</a:t>
             </a:r>
           </a:p>
@@ -1150,10 +1141,9 @@
           <a:lstStyle/>
           <a:p>
             <a:r>
-              <a:rPr lang="en-US" smtClean="0"/>
+              <a:rPr lang="en-US"/>
               <a:t>Click to edit Master title style</a:t>
             </a:r>
-            <a:endParaRPr lang="en-US"/>
           </a:p>
         </p:txBody>
       </p:sp>
@@ -1179,38 +1169,37 @@
           <a:p>
             <a:pPr lvl="0"/>
             <a:r>
-              <a:rPr lang="en-US" smtClean="0"/>
+              <a:rPr lang="en-US"/>
               <a:t>Click to edit Master text styles</a:t>
             </a:r>
           </a:p>
           <a:p>
             <a:pPr lvl="1"/>
             <a:r>
-              <a:rPr lang="en-US" smtClean="0"/>
+              <a:rPr lang="en-US"/>
               <a:t>Second level</a:t>
             </a:r>
           </a:p>
           <a:p>
             <a:pPr lvl="2"/>
             <a:r>
-              <a:rPr lang="en-US" smtClean="0"/>
+              <a:rPr lang="en-US"/>
               <a:t>Third level</a:t>
             </a:r>
           </a:p>
           <a:p>
             <a:pPr lvl="3"/>
             <a:r>
-              <a:rPr lang="en-US" smtClean="0"/>
+              <a:rPr lang="en-US"/>
               <a:t>Fourth level</a:t>
             </a:r>
           </a:p>
           <a:p>
             <a:pPr lvl="4"/>
             <a:r>
-              <a:rPr lang="en-US" smtClean="0"/>
+              <a:rPr lang="en-US"/>
               <a:t>Fifth level</a:t>
             </a:r>
-            <a:endParaRPr lang="en-US"/>
           </a:p>
         </p:txBody>
       </p:sp>
@@ -1236,38 +1225,37 @@
           <a:p>
             <a:pPr lvl="0"/>
             <a:r>
-              <a:rPr lang="en-US" smtClean="0"/>
+              <a:rPr lang="en-US"/>
               <a:t>Click to edit Master text styles</a:t>
             </a:r>
           </a:p>
           <a:p>
             <a:pPr lvl="1"/>
             <a:r>
-              <a:rPr lang="en-US" smtClean="0"/>
+              <a:rPr lang="en-US"/>
               <a:t>Second level</a:t>
             </a:r>
           </a:p>
           <a:p>
             <a:pPr lvl="2"/>
             <a:r>
-              <a:rPr lang="en-US" smtClean="0"/>
+              <a:rPr lang="en-US"/>
               <a:t>Third level</a:t>
             </a:r>
           </a:p>
           <a:p>
             <a:pPr lvl="3"/>
             <a:r>
-              <a:rPr lang="en-US" smtClean="0"/>
+              <a:rPr lang="en-US"/>
               <a:t>Fourth level</a:t>
             </a:r>
           </a:p>
           <a:p>
             <a:pPr lvl="4"/>
             <a:r>
-              <a:rPr lang="en-US" smtClean="0"/>
+              <a:rPr lang="en-US"/>
               <a:t>Fifth level</a:t>
             </a:r>
-            <a:endParaRPr lang="en-US"/>
           </a:p>
         </p:txBody>
       </p:sp>
@@ -1387,10 +1375,9 @@
           <a:lstStyle/>
           <a:p>
             <a:r>
-              <a:rPr lang="en-US" smtClean="0"/>
+              <a:rPr lang="en-US"/>
               <a:t>Click to edit Master title style</a:t>
             </a:r>
-            <a:endParaRPr lang="en-US"/>
           </a:p>
         </p:txBody>
       </p:sp>
@@ -1453,7 +1440,7 @@
           <a:p>
             <a:pPr lvl="0"/>
             <a:r>
-              <a:rPr lang="en-US" smtClean="0"/>
+              <a:rPr lang="en-US"/>
               <a:t>Click to edit Master text styles</a:t>
             </a:r>
           </a:p>
@@ -1481,38 +1468,37 @@
           <a:p>
             <a:pPr lvl="0"/>
             <a:r>
-              <a:rPr lang="en-US" smtClean="0"/>
+              <a:rPr lang="en-US"/>
               <a:t>Click to edit Master text styles</a:t>
             </a:r>
           </a:p>
           <a:p>
             <a:pPr lvl="1"/>
             <a:r>
-              <a:rPr lang="en-US" smtClean="0"/>
+              <a:rPr lang="en-US"/>
               <a:t>Second level</a:t>
             </a:r>
           </a:p>
           <a:p>
             <a:pPr lvl="2"/>
             <a:r>
-              <a:rPr lang="en-US" smtClean="0"/>
+              <a:rPr lang="en-US"/>
               <a:t>Third level</a:t>
             </a:r>
           </a:p>
           <a:p>
             <a:pPr lvl="3"/>
             <a:r>
-              <a:rPr lang="en-US" smtClean="0"/>
+              <a:rPr lang="en-US"/>
               <a:t>Fourth level</a:t>
             </a:r>
           </a:p>
           <a:p>
             <a:pPr lvl="4"/>
             <a:r>
-              <a:rPr lang="en-US" smtClean="0"/>
+              <a:rPr lang="en-US"/>
               <a:t>Fifth level</a:t>
             </a:r>
-            <a:endParaRPr lang="en-US"/>
           </a:p>
         </p:txBody>
       </p:sp>
@@ -1575,7 +1561,7 @@
           <a:p>
             <a:pPr lvl="0"/>
             <a:r>
-              <a:rPr lang="en-US" smtClean="0"/>
+              <a:rPr lang="en-US"/>
               <a:t>Click to edit Master text styles</a:t>
             </a:r>
           </a:p>
@@ -1603,38 +1589,37 @@
           <a:p>
             <a:pPr lvl="0"/>
             <a:r>
-              <a:rPr lang="en-US" smtClean="0"/>
+              <a:rPr lang="en-US"/>
               <a:t>Click to edit Master text styles</a:t>
             </a:r>
           </a:p>
           <a:p>
             <a:pPr lvl="1"/>
             <a:r>
-              <a:rPr lang="en-US" smtClean="0"/>
+              <a:rPr lang="en-US"/>
               <a:t>Second level</a:t>
             </a:r>
           </a:p>
           <a:p>
             <a:pPr lvl="2"/>
             <a:r>
-              <a:rPr lang="en-US" smtClean="0"/>
+              <a:rPr lang="en-US"/>
               <a:t>Third level</a:t>
             </a:r>
           </a:p>
           <a:p>
             <a:pPr lvl="3"/>
             <a:r>
-              <a:rPr lang="en-US" smtClean="0"/>
+              <a:rPr lang="en-US"/>
               <a:t>Fourth level</a:t>
             </a:r>
           </a:p>
           <a:p>
             <a:pPr lvl="4"/>
             <a:r>
-              <a:rPr lang="en-US" smtClean="0"/>
+              <a:rPr lang="en-US"/>
               <a:t>Fifth level</a:t>
             </a:r>
-            <a:endParaRPr lang="en-US"/>
           </a:p>
         </p:txBody>
       </p:sp>
@@ -1749,10 +1734,9 @@
           <a:lstStyle/>
           <a:p>
             <a:r>
-              <a:rPr lang="en-US" smtClean="0"/>
+              <a:rPr lang="en-US"/>
               <a:t>Click to edit Master title style</a:t>
             </a:r>
-            <a:endParaRPr lang="en-US"/>
           </a:p>
         </p:txBody>
       </p:sp>
@@ -1971,10 +1955,9 @@
           </a:lstStyle>
           <a:p>
             <a:r>
-              <a:rPr lang="en-US" smtClean="0"/>
+              <a:rPr lang="en-US"/>
               <a:t>Click to edit Master title style</a:t>
             </a:r>
-            <a:endParaRPr lang="en-US"/>
           </a:p>
         </p:txBody>
       </p:sp>
@@ -2028,38 +2011,37 @@
           <a:p>
             <a:pPr lvl="0"/>
             <a:r>
-              <a:rPr lang="en-US" smtClean="0"/>
+              <a:rPr lang="en-US"/>
               <a:t>Click to edit Master text styles</a:t>
             </a:r>
           </a:p>
           <a:p>
             <a:pPr lvl="1"/>
             <a:r>
-              <a:rPr lang="en-US" smtClean="0"/>
+              <a:rPr lang="en-US"/>
               <a:t>Second level</a:t>
             </a:r>
           </a:p>
           <a:p>
             <a:pPr lvl="2"/>
             <a:r>
-              <a:rPr lang="en-US" smtClean="0"/>
+              <a:rPr lang="en-US"/>
               <a:t>Third level</a:t>
             </a:r>
           </a:p>
           <a:p>
             <a:pPr lvl="3"/>
             <a:r>
-              <a:rPr lang="en-US" smtClean="0"/>
+              <a:rPr lang="en-US"/>
               <a:t>Fourth level</a:t>
             </a:r>
           </a:p>
           <a:p>
             <a:pPr lvl="4"/>
             <a:r>
-              <a:rPr lang="en-US" smtClean="0"/>
+              <a:rPr lang="en-US"/>
               <a:t>Fifth level</a:t>
             </a:r>
-            <a:endParaRPr lang="en-US"/>
           </a:p>
         </p:txBody>
       </p:sp>
@@ -2122,7 +2104,7 @@
           <a:p>
             <a:pPr lvl="0"/>
             <a:r>
-              <a:rPr lang="en-US" smtClean="0"/>
+              <a:rPr lang="en-US"/>
               <a:t>Click to edit Master text styles</a:t>
             </a:r>
           </a:p>
@@ -2248,10 +2230,9 @@
           </a:lstStyle>
           <a:p>
             <a:r>
-              <a:rPr lang="en-US" smtClean="0"/>
+              <a:rPr lang="en-US"/>
               <a:t>Click to edit Master title style</a:t>
             </a:r>
-            <a:endParaRPr lang="en-US"/>
           </a:p>
         </p:txBody>
       </p:sp>
@@ -2375,7 +2356,7 @@
           <a:p>
             <a:pPr lvl="0"/>
             <a:r>
-              <a:rPr lang="en-US" smtClean="0"/>
+              <a:rPr lang="en-US"/>
               <a:t>Click to edit Master text styles</a:t>
             </a:r>
           </a:p>
@@ -2507,10 +2488,9 @@
           <a:lstStyle/>
           <a:p>
             <a:r>
-              <a:rPr lang="en-US" smtClean="0"/>
+              <a:rPr lang="en-US"/>
               <a:t>Click to edit Master title style</a:t>
             </a:r>
-            <a:endParaRPr lang="en-US"/>
           </a:p>
         </p:txBody>
       </p:sp>
@@ -2541,38 +2521,37 @@
           <a:p>
             <a:pPr lvl="0"/>
             <a:r>
-              <a:rPr lang="en-US" smtClean="0"/>
+              <a:rPr lang="en-US"/>
               <a:t>Click to edit Master text styles</a:t>
             </a:r>
           </a:p>
           <a:p>
             <a:pPr lvl="1"/>
             <a:r>
-              <a:rPr lang="en-US" smtClean="0"/>
+              <a:rPr lang="en-US"/>
               <a:t>Second level</a:t>
             </a:r>
           </a:p>
           <a:p>
             <a:pPr lvl="2"/>
             <a:r>
-              <a:rPr lang="en-US" smtClean="0"/>
+              <a:rPr lang="en-US"/>
               <a:t>Third level</a:t>
             </a:r>
           </a:p>
           <a:p>
             <a:pPr lvl="3"/>
             <a:r>
-              <a:rPr lang="en-US" smtClean="0"/>
+              <a:rPr lang="en-US"/>
               <a:t>Fourth level</a:t>
             </a:r>
           </a:p>
           <a:p>
             <a:pPr lvl="4"/>
             <a:r>
-              <a:rPr lang="en-US" smtClean="0"/>
+              <a:rPr lang="en-US"/>
               <a:t>Fifth level</a:t>
             </a:r>
-            <a:endParaRPr lang="en-US"/>
           </a:p>
         </p:txBody>
       </p:sp>
@@ -3032,22 +3011,21 @@
           <a:lstStyle/>
           <a:p>
             <a:r>
-              <a:rPr lang="en-US" dirty="0" err="1" smtClean="0"/>
+              <a:rPr lang="en-US" dirty="0" err="1"/>
               <a:t>Foras</a:t>
             </a:r>
             <a:r>
-              <a:rPr lang="en-US" dirty="0" smtClean="0"/>
+              <a:rPr lang="en-US" dirty="0"/>
               <a:t> </a:t>
             </a:r>
             <a:r>
-              <a:rPr lang="en-US" dirty="0" err="1" smtClean="0"/>
+              <a:rPr lang="en-US" dirty="0" err="1"/>
               <a:t>Promineo</a:t>
             </a:r>
             <a:r>
-              <a:rPr lang="en-US" dirty="0" smtClean="0"/>
+              <a:rPr lang="en-US" dirty="0"/>
               <a:t> Software</a:t>
             </a:r>
-            <a:endParaRPr lang="en-US" dirty="0"/>
           </a:p>
         </p:txBody>
       </p:sp>
@@ -3080,13 +3058,6 @@
   <p:clrMapOvr>
     <a:masterClrMapping/>
   </p:clrMapOvr>
-  <p:timing>
-    <p:tnLst>
-      <p:par>
-        <p:cTn id="1" dur="indefinite" restart="never" nodeType="tmRoot"/>
-      </p:par>
-    </p:tnLst>
-  </p:timing>
 </p:sld>
 </file>
 
@@ -3179,13 +3150,13 @@
           <a:p>
             <a:pPr algn="ctr"/>
             <a:r>
-              <a:rPr lang="en-US" sz="2800" dirty="0" smtClean="0"/>
+              <a:rPr lang="en-US" sz="2800" dirty="0"/>
               <a:t>Master Library</a:t>
             </a:r>
           </a:p>
           <a:p>
             <a:pPr algn="ctr"/>
-            <a:endParaRPr lang="en-US" sz="2800" dirty="0" smtClean="0"/>
+            <a:endParaRPr lang="en-US" sz="2800" dirty="0"/>
           </a:p>
         </p:txBody>
       </p:sp>
@@ -3217,18 +3188,17 @@
           <a:lstStyle/>
           <a:p>
             <a:r>
-              <a:rPr lang="en-US" dirty="0" smtClean="0"/>
+              <a:rPr lang="en-US" dirty="0"/>
               <a:t>Every board-level hardware lib has a </a:t>
             </a:r>
             <a:r>
-              <a:rPr lang="en-US" dirty="0" err="1" smtClean="0"/>
+              <a:rPr lang="en-US" dirty="0" err="1"/>
               <a:t>reinit</a:t>
             </a:r>
             <a:r>
-              <a:rPr lang="en-US" dirty="0" smtClean="0"/>
+              <a:rPr lang="en-US" dirty="0"/>
               <a:t> procedure !!!</a:t>
             </a:r>
-            <a:endParaRPr lang="en-US" dirty="0"/>
           </a:p>
         </p:txBody>
       </p:sp>
@@ -3284,10 +3254,9 @@
           <a:lstStyle/>
           <a:p>
             <a:r>
-              <a:rPr lang="en-US" dirty="0" smtClean="0"/>
+              <a:rPr lang="en-US" dirty="0"/>
               <a:t>Example of a property, i.e. class variable</a:t>
             </a:r>
-            <a:endParaRPr lang="en-US" dirty="0"/>
           </a:p>
         </p:txBody>
       </p:sp>
@@ -3301,13 +3270,6 @@
   <p:clrMapOvr>
     <a:masterClrMapping/>
   </p:clrMapOvr>
-  <p:timing>
-    <p:tnLst>
-      <p:par>
-        <p:cTn id="1" dur="indefinite" restart="never" nodeType="tmRoot"/>
-      </p:par>
-    </p:tnLst>
-  </p:timing>
 </p:sld>
 </file>
 
@@ -3400,13 +3362,13 @@
           <a:p>
             <a:pPr algn="ctr"/>
             <a:r>
-              <a:rPr lang="en-US" sz="2800" dirty="0" smtClean="0"/>
+              <a:rPr lang="en-US" sz="2800" dirty="0"/>
               <a:t>Master Library</a:t>
             </a:r>
           </a:p>
           <a:p>
             <a:pPr algn="ctr"/>
-            <a:endParaRPr lang="en-US" sz="2800" dirty="0" smtClean="0"/>
+            <a:endParaRPr lang="en-US" sz="2800" dirty="0"/>
           </a:p>
         </p:txBody>
       </p:sp>
@@ -3433,29 +3395,27 @@
           <a:lstStyle/>
           <a:p>
             <a:r>
-              <a:rPr lang="en-US" dirty="0" smtClean="0"/>
+              <a:rPr lang="en-US" dirty="0"/>
               <a:t>Two power modes, min and norm. </a:t>
             </a:r>
+          </a:p>
+          <a:p>
+            <a:r>
+              <a:rPr lang="en-US" dirty="0"/>
+              <a:t>	*will probably change</a:t>
+            </a:r>
+          </a:p>
+          <a:p>
             <a:endParaRPr lang="en-US" dirty="0"/>
           </a:p>
           <a:p>
-            <a:r>
-              <a:rPr lang="en-US" dirty="0" smtClean="0"/>
-              <a:t>	*will probably change</a:t>
-            </a:r>
-          </a:p>
-          <a:p>
             <a:endParaRPr lang="en-US" dirty="0"/>
           </a:p>
           <a:p>
-            <a:endParaRPr lang="en-US" dirty="0" smtClean="0"/>
-          </a:p>
-          <a:p>
-            <a:r>
-              <a:rPr lang="en-US" dirty="0" smtClean="0"/>
+            <a:r>
+              <a:rPr lang="en-US" dirty="0"/>
               <a:t>Handling and initiating different power modes is to be implemented in housekeeper.py task*** verify</a:t>
             </a:r>
-            <a:endParaRPr lang="en-US" dirty="0"/>
           </a:p>
         </p:txBody>
       </p:sp>
@@ -3469,13 +3429,6 @@
   <p:clrMapOvr>
     <a:masterClrMapping/>
   </p:clrMapOvr>
-  <p:timing>
-    <p:tnLst>
-      <p:par>
-        <p:cTn id="1" dur="indefinite" restart="never" nodeType="tmRoot"/>
-      </p:par>
-    </p:tnLst>
-  </p:timing>
 </p:sld>
 </file>
 
@@ -3520,13 +3473,13 @@
           <a:p>
             <a:pPr algn="ctr"/>
             <a:r>
-              <a:rPr lang="en-US" sz="2800" dirty="0" smtClean="0"/>
+              <a:rPr lang="en-US" sz="2800" dirty="0"/>
               <a:t>Sub library example</a:t>
             </a:r>
           </a:p>
           <a:p>
             <a:pPr algn="ctr"/>
-            <a:endParaRPr lang="en-US" sz="2800" dirty="0" smtClean="0"/>
+            <a:endParaRPr lang="en-US" sz="2800" dirty="0"/>
           </a:p>
         </p:txBody>
       </p:sp>
@@ -3612,13 +3565,6 @@
   <p:clrMapOvr>
     <a:masterClrMapping/>
   </p:clrMapOvr>
-  <p:timing>
-    <p:tnLst>
-      <p:par>
-        <p:cTn id="1" dur="indefinite" restart="never" nodeType="tmRoot"/>
-      </p:par>
-    </p:tnLst>
-  </p:timing>
 </p:sld>
 </file>
 
@@ -3663,13 +3609,13 @@
           <a:p>
             <a:pPr algn="ctr"/>
             <a:r>
-              <a:rPr lang="en-US" sz="2800" dirty="0" smtClean="0"/>
+              <a:rPr lang="en-US" sz="2800" dirty="0"/>
               <a:t>Anatomy of a Task</a:t>
             </a:r>
           </a:p>
           <a:p>
             <a:pPr algn="ctr"/>
-            <a:endParaRPr lang="en-US" sz="2800" dirty="0" smtClean="0"/>
+            <a:endParaRPr lang="en-US" sz="2800" dirty="0"/>
           </a:p>
         </p:txBody>
       </p:sp>
@@ -3720,7 +3666,7 @@
           <a:lstStyle/>
           <a:p>
             <a:r>
-              <a:rPr lang="en-US" dirty="0" smtClean="0"/>
+              <a:rPr lang="en-US" dirty="0"/>
               <a:t>This is a task that blinks the led.</a:t>
             </a:r>
           </a:p>
@@ -3729,7 +3675,7 @@
           </a:p>
           <a:p>
             <a:r>
-              <a:rPr lang="en-US" dirty="0" smtClean="0"/>
+              <a:rPr lang="en-US" dirty="0"/>
               <a:t>It is a subclass of task from template_task.py</a:t>
             </a:r>
           </a:p>
@@ -3738,15 +3684,15 @@
           </a:p>
           <a:p>
             <a:r>
-              <a:rPr lang="en-US" dirty="0" smtClean="0"/>
+              <a:rPr lang="en-US" dirty="0"/>
               <a:t>When the task is executed, it runs the code within </a:t>
             </a:r>
             <a:r>
-              <a:rPr lang="en-US" dirty="0" err="1" smtClean="0"/>
+              <a:rPr lang="en-US" dirty="0" err="1"/>
               <a:t>main_task</a:t>
             </a:r>
             <a:r>
-              <a:rPr lang="en-US" dirty="0" smtClean="0"/>
+              <a:rPr lang="en-US" dirty="0"/>
               <a:t>.</a:t>
             </a:r>
           </a:p>
@@ -3755,24 +3701,23 @@
           </a:p>
           <a:p>
             <a:r>
-              <a:rPr lang="en-US" dirty="0" smtClean="0"/>
+              <a:rPr lang="en-US" dirty="0"/>
               <a:t>Pycubed.py is </a:t>
             </a:r>
             <a:r>
-              <a:rPr lang="en-US" dirty="0" err="1" smtClean="0"/>
+              <a:rPr lang="en-US" dirty="0" err="1"/>
               <a:t>self.cubesat</a:t>
             </a:r>
-            <a:endParaRPr lang="en-US" dirty="0" smtClean="0"/>
-          </a:p>
-          <a:p>
             <a:endParaRPr lang="en-US" dirty="0"/>
           </a:p>
           <a:p>
-            <a:r>
-              <a:rPr lang="en-US" dirty="0" smtClean="0"/>
+            <a:endParaRPr lang="en-US" dirty="0"/>
+          </a:p>
+          <a:p>
+            <a:r>
+              <a:rPr lang="en-US" dirty="0"/>
               <a:t>See priority and frequency for setting when a task will run</a:t>
             </a:r>
-            <a:endParaRPr lang="en-US" dirty="0"/>
           </a:p>
         </p:txBody>
       </p:sp>
@@ -3804,10 +3749,9 @@
           <a:lstStyle/>
           <a:p>
             <a:r>
-              <a:rPr lang="en-US" dirty="0" smtClean="0"/>
+              <a:rPr lang="en-US" dirty="0"/>
               <a:t>The mainboard executes tasks via a task scheduler</a:t>
             </a:r>
-            <a:endParaRPr lang="en-US" dirty="0"/>
           </a:p>
         </p:txBody>
       </p:sp>
@@ -3821,13 +3765,6 @@
   <p:clrMapOvr>
     <a:masterClrMapping/>
   </p:clrMapOvr>
-  <p:timing>
-    <p:tnLst>
-      <p:par>
-        <p:cTn id="1" dur="indefinite" restart="never" nodeType="tmRoot"/>
-      </p:par>
-    </p:tnLst>
-  </p:timing>
 </p:sld>
 </file>
 
@@ -3864,10 +3801,9 @@
           <a:lstStyle/>
           <a:p>
             <a:r>
-              <a:rPr lang="en-US" dirty="0" smtClean="0"/>
+              <a:rPr lang="en-US" dirty="0"/>
               <a:t>Current Progress (as of 6/1/21)</a:t>
             </a:r>
-            <a:endParaRPr lang="en-US" dirty="0"/>
           </a:p>
         </p:txBody>
       </p:sp>
@@ -3887,39 +3823,39 @@
           <a:lstStyle/>
           <a:p>
             <a:r>
-              <a:rPr lang="en-US" dirty="0" smtClean="0"/>
+              <a:rPr lang="en-US" dirty="0"/>
               <a:t>Mainboard is functional and all peripherals are coded in.</a:t>
             </a:r>
           </a:p>
           <a:p>
             <a:pPr lvl="1"/>
             <a:r>
-              <a:rPr lang="en-US" dirty="0" smtClean="0"/>
+              <a:rPr lang="en-US" dirty="0"/>
               <a:t>A new design revision will be made soon with some new features and some pinout changes.</a:t>
             </a:r>
           </a:p>
           <a:p>
             <a:r>
-              <a:rPr lang="en-US" dirty="0" smtClean="0"/>
+              <a:rPr lang="en-US" dirty="0"/>
               <a:t>Payload interface board libraries in progress</a:t>
             </a:r>
           </a:p>
           <a:p>
             <a:pPr lvl="1"/>
             <a:r>
-              <a:rPr lang="en-US" dirty="0" smtClean="0"/>
+              <a:rPr lang="en-US" dirty="0"/>
               <a:t>~90% complete, waiting on some parts and another design rev for the final design</a:t>
             </a:r>
           </a:p>
           <a:p>
             <a:r>
-              <a:rPr lang="en-US" dirty="0" smtClean="0"/>
+              <a:rPr lang="en-US" dirty="0"/>
               <a:t>Tasks have been started, but nothing of substance there just trying to get a good background set up</a:t>
             </a:r>
           </a:p>
           <a:p>
             <a:r>
-              <a:rPr lang="en-US" dirty="0" smtClean="0"/>
+              <a:rPr lang="en-US" dirty="0"/>
               <a:t>Some PC/website software has been written.</a:t>
             </a:r>
           </a:p>
@@ -3935,13 +3871,6 @@
   <p:clrMapOvr>
     <a:masterClrMapping/>
   </p:clrMapOvr>
-  <p:timing>
-    <p:tnLst>
-      <p:par>
-        <p:cTn id="1" dur="indefinite" restart="never" nodeType="tmRoot"/>
-      </p:par>
-    </p:tnLst>
-  </p:timing>
 </p:sld>
 </file>
 
@@ -3978,10 +3907,9 @@
           <a:lstStyle/>
           <a:p>
             <a:r>
-              <a:rPr lang="en-US" dirty="0" smtClean="0"/>
+              <a:rPr lang="en-US" dirty="0"/>
               <a:t>Things to Do:</a:t>
             </a:r>
-            <a:endParaRPr lang="en-US" dirty="0"/>
           </a:p>
         </p:txBody>
       </p:sp>
@@ -4003,57 +3931,57 @@
           <a:lstStyle/>
           <a:p>
             <a:r>
-              <a:rPr lang="en-US" dirty="0" smtClean="0"/>
+              <a:rPr lang="en-US" dirty="0"/>
               <a:t>Define operating states and what tasks should run at what times</a:t>
             </a:r>
           </a:p>
           <a:p>
             <a:r>
-              <a:rPr lang="en-US" dirty="0" smtClean="0"/>
+              <a:rPr lang="en-US" dirty="0"/>
               <a:t>Code high-level functionality</a:t>
             </a:r>
           </a:p>
           <a:p>
             <a:pPr lvl="1"/>
             <a:r>
-              <a:rPr lang="en-US" dirty="0" smtClean="0"/>
+              <a:rPr lang="en-US" dirty="0"/>
               <a:t>i.e. all the tasks, commands, data handling</a:t>
             </a:r>
           </a:p>
           <a:p>
             <a:r>
-              <a:rPr lang="en-US" dirty="0" smtClean="0"/>
+              <a:rPr lang="en-US" dirty="0"/>
               <a:t>Define radio&gt;mainboard&gt;payload data exchange for target bitrate</a:t>
             </a:r>
           </a:p>
           <a:p>
             <a:r>
-              <a:rPr lang="en-US" dirty="0" smtClean="0"/>
+              <a:rPr lang="en-US" dirty="0"/>
               <a:t>Test it for extended periods extensively </a:t>
             </a:r>
           </a:p>
           <a:p>
             <a:r>
-              <a:rPr lang="en-US" dirty="0" smtClean="0"/>
+              <a:rPr lang="en-US" dirty="0"/>
               <a:t>Make sure all code written is executed successfully on ground</a:t>
             </a:r>
           </a:p>
           <a:p>
             <a:pPr lvl="1"/>
             <a:r>
-              <a:rPr lang="en-US" dirty="0" smtClean="0"/>
+              <a:rPr lang="en-US" dirty="0"/>
               <a:t>Fault handling is EXTREMELY important in this application</a:t>
             </a:r>
           </a:p>
           <a:p>
             <a:r>
-              <a:rPr lang="en-US" dirty="0" smtClean="0"/>
+              <a:rPr lang="en-US" dirty="0"/>
               <a:t>Code pc host software to display live telemetry and simulate operations</a:t>
             </a:r>
           </a:p>
           <a:p>
             <a:r>
-              <a:rPr lang="en-US" dirty="0" smtClean="0"/>
+              <a:rPr lang="en-US" dirty="0"/>
               <a:t>Code PC ground station software</a:t>
             </a:r>
           </a:p>
@@ -4069,13 +3997,6 @@
   <p:clrMapOvr>
     <a:masterClrMapping/>
   </p:clrMapOvr>
-  <p:timing>
-    <p:tnLst>
-      <p:par>
-        <p:cTn id="1" dur="indefinite" restart="never" nodeType="tmRoot"/>
-      </p:par>
-    </p:tnLst>
-  </p:timing>
 </p:sld>
 </file>
 
@@ -4112,10 +4033,9 @@
           <a:lstStyle/>
           <a:p>
             <a:r>
-              <a:rPr lang="en-US" dirty="0" smtClean="0"/>
+              <a:rPr lang="en-US" dirty="0"/>
               <a:t>Phase 1 Plan</a:t>
             </a:r>
-            <a:endParaRPr lang="en-US" dirty="0"/>
           </a:p>
         </p:txBody>
       </p:sp>
@@ -4135,41 +4055,41 @@
           <a:lstStyle/>
           <a:p>
             <a:r>
-              <a:rPr lang="en-US" dirty="0" smtClean="0"/>
+              <a:rPr lang="en-US" dirty="0"/>
               <a:t>Pair 1 will define and code simulation and data interface to host PC (main priority #2)</a:t>
             </a:r>
           </a:p>
           <a:p>
             <a:pPr lvl="1"/>
             <a:r>
-              <a:rPr lang="en-US" dirty="0" smtClean="0"/>
+              <a:rPr lang="en-US" dirty="0"/>
               <a:t>We image a python program with a </a:t>
             </a:r>
             <a:r>
-              <a:rPr lang="en-US" dirty="0" err="1" smtClean="0"/>
+              <a:rPr lang="en-US" dirty="0" err="1"/>
               <a:t>gui</a:t>
             </a:r>
             <a:r>
-              <a:rPr lang="en-US" dirty="0" smtClean="0"/>
+              <a:rPr lang="en-US" dirty="0"/>
               <a:t> and real-time telemetry data updating, Marek started something like this but it really only uploaded new code to the device</a:t>
             </a:r>
           </a:p>
           <a:p>
             <a:r>
-              <a:rPr lang="en-US" dirty="0" smtClean="0"/>
+              <a:rPr lang="en-US" dirty="0"/>
               <a:t>Pair 2 will define and start to code the payload operation (main priority # 1)</a:t>
             </a:r>
           </a:p>
           <a:p>
             <a:pPr lvl="1"/>
             <a:r>
-              <a:rPr lang="en-US" dirty="0" smtClean="0"/>
+              <a:rPr lang="en-US" dirty="0"/>
               <a:t>Will be discussed in a moment</a:t>
             </a:r>
           </a:p>
           <a:p>
             <a:r>
-              <a:rPr lang="en-US" dirty="0" smtClean="0"/>
+              <a:rPr lang="en-US" dirty="0"/>
               <a:t>Once host software is in a good state, it can start to be tested by Pair 1 Implementing the ADCS (main priority #3)</a:t>
             </a:r>
           </a:p>
@@ -4185,13 +4105,6 @@
   <p:clrMapOvr>
     <a:masterClrMapping/>
   </p:clrMapOvr>
-  <p:timing>
-    <p:tnLst>
-      <p:par>
-        <p:cTn id="1" dur="indefinite" restart="never" nodeType="tmRoot"/>
-      </p:par>
-    </p:tnLst>
-  </p:timing>
 </p:sld>
 </file>
 
@@ -4228,10 +4141,9 @@
           <a:lstStyle/>
           <a:p>
             <a:r>
-              <a:rPr lang="en-US" dirty="0" smtClean="0"/>
+              <a:rPr lang="en-US" dirty="0"/>
               <a:t>USB Interface</a:t>
             </a:r>
-            <a:endParaRPr lang="en-US" dirty="0"/>
           </a:p>
         </p:txBody>
       </p:sp>
@@ -4368,10 +4280,9 @@
           <a:lstStyle/>
           <a:p>
             <a:r>
-              <a:rPr lang="en-US" dirty="0" smtClean="0"/>
+              <a:rPr lang="en-US" dirty="0"/>
               <a:t>Mainboard</a:t>
             </a:r>
-            <a:endParaRPr lang="en-US" dirty="0"/>
           </a:p>
         </p:txBody>
       </p:sp>
@@ -4398,10 +4309,9 @@
           <a:lstStyle/>
           <a:p>
             <a:r>
-              <a:rPr lang="en-US" dirty="0" smtClean="0"/>
+              <a:rPr lang="en-US" dirty="0"/>
               <a:t>Host PC</a:t>
             </a:r>
-            <a:endParaRPr lang="en-US" dirty="0"/>
           </a:p>
         </p:txBody>
       </p:sp>
@@ -4442,7 +4352,7 @@
           <a:p>
             <a:pPr algn="ctr"/>
             <a:r>
-              <a:rPr lang="en-US" dirty="0" err="1" smtClean="0"/>
+              <a:rPr lang="en-US" dirty="0" err="1"/>
               <a:t>Usb_cdc.terminal</a:t>
             </a:r>
             <a:endParaRPr lang="en-US" dirty="0"/>
@@ -4486,7 +4396,7 @@
           <a:p>
             <a:pPr algn="ctr"/>
             <a:r>
-              <a:rPr lang="en-US" dirty="0" err="1" smtClean="0"/>
+              <a:rPr lang="en-US" dirty="0" err="1"/>
               <a:t>Usb_cdc.data</a:t>
             </a:r>
             <a:endParaRPr lang="en-US" dirty="0"/>
@@ -4562,10 +4472,9 @@
           <a:lstStyle/>
           <a:p>
             <a:r>
-              <a:rPr lang="en-US" dirty="0" smtClean="0"/>
+              <a:rPr lang="en-US" dirty="0"/>
               <a:t>USB</a:t>
             </a:r>
-            <a:endParaRPr lang="en-US" dirty="0"/>
           </a:p>
         </p:txBody>
       </p:sp>
@@ -4606,21 +4515,20 @@
           <a:p>
             <a:pPr algn="ctr"/>
             <a:r>
-              <a:rPr lang="en-US" dirty="0" err="1" smtClean="0"/>
+              <a:rPr lang="en-US" dirty="0" err="1"/>
               <a:t>Circuitpython</a:t>
             </a:r>
             <a:r>
-              <a:rPr lang="en-US" dirty="0" smtClean="0"/>
+              <a:rPr lang="en-US" dirty="0"/>
               <a:t> REPL</a:t>
             </a:r>
           </a:p>
           <a:p>
             <a:pPr algn="ctr"/>
             <a:r>
-              <a:rPr lang="en-US" dirty="0" smtClean="0"/>
+              <a:rPr lang="en-US" dirty="0"/>
               <a:t>All debug data is also printed here</a:t>
             </a:r>
-            <a:endParaRPr lang="en-US" dirty="0"/>
           </a:p>
         </p:txBody>
       </p:sp>
@@ -4661,14 +4569,13 @@
           <a:p>
             <a:pPr algn="ctr"/>
             <a:r>
-              <a:rPr lang="en-US" dirty="0" err="1" smtClean="0"/>
+              <a:rPr lang="en-US" dirty="0" err="1"/>
               <a:t>Db_cdh</a:t>
             </a:r>
             <a:r>
-              <a:rPr lang="en-US" dirty="0" smtClean="0"/>
+              <a:rPr lang="en-US" dirty="0"/>
               <a:t> and simulation handling</a:t>
             </a:r>
-            <a:endParaRPr lang="en-US" dirty="0"/>
           </a:p>
         </p:txBody>
       </p:sp>
@@ -4783,18 +4690,18 @@
           <a:p>
             <a:pPr algn="ctr"/>
             <a:r>
-              <a:rPr lang="en-US" dirty="0" err="1" smtClean="0"/>
+              <a:rPr lang="en-US" dirty="0" err="1"/>
               <a:t>Circuitpython</a:t>
             </a:r>
             <a:r>
-              <a:rPr lang="en-US" dirty="0" smtClean="0"/>
+              <a:rPr lang="en-US" dirty="0"/>
               <a:t> REPL terminal</a:t>
             </a:r>
           </a:p>
           <a:p>
             <a:pPr algn="ctr"/>
             <a:r>
-              <a:rPr lang="en-US" dirty="0" smtClean="0"/>
+              <a:rPr lang="en-US" dirty="0"/>
               <a:t>Read debug data to display on GUI</a:t>
             </a:r>
           </a:p>
@@ -4837,15 +4744,15 @@
           <a:p>
             <a:pPr algn="ctr"/>
             <a:r>
-              <a:rPr lang="en-US" dirty="0" smtClean="0"/>
+              <a:rPr lang="en-US" dirty="0"/>
               <a:t>Read/send </a:t>
             </a:r>
             <a:r>
-              <a:rPr lang="en-US" dirty="0" err="1" smtClean="0"/>
+              <a:rPr lang="en-US" dirty="0" err="1"/>
               <a:t>cb_cdh</a:t>
             </a:r>
             <a:r>
-              <a:rPr lang="en-US" dirty="0" smtClean="0"/>
+              <a:rPr lang="en-US" dirty="0"/>
               <a:t> and simulation commands</a:t>
             </a:r>
           </a:p>
@@ -4934,13 +4841,6 @@
   <p:clrMapOvr>
     <a:masterClrMapping/>
   </p:clrMapOvr>
-  <p:timing>
-    <p:tnLst>
-      <p:par>
-        <p:cTn id="1" dur="indefinite" restart="never" nodeType="tmRoot"/>
-      </p:par>
-    </p:tnLst>
-  </p:timing>
 </p:sld>
 </file>
 
@@ -4984,10 +4884,9 @@
           <a:lstStyle/>
           <a:p>
             <a:r>
-              <a:rPr lang="en-US" dirty="0" smtClean="0"/>
+              <a:rPr lang="en-US" dirty="0"/>
               <a:t>Top Level Simulation / Debug Interface Flowchart</a:t>
             </a:r>
-            <a:endParaRPr lang="en-US" dirty="0"/>
           </a:p>
         </p:txBody>
       </p:sp>
@@ -5196,18 +5095,13 @@
           <a:p>
             <a:pPr algn="ctr"/>
             <a:r>
-              <a:rPr lang="en-US" dirty="0" smtClean="0">
+              <a:rPr lang="en-US" dirty="0">
                 <a:solidFill>
                   <a:schemeClr val="tx1"/>
                 </a:solidFill>
               </a:rPr>
               <a:t>Set all simulation flags to 0</a:t>
             </a:r>
-            <a:endParaRPr lang="en-US" dirty="0">
-              <a:solidFill>
-                <a:schemeClr val="tx1"/>
-              </a:solidFill>
-            </a:endParaRPr>
           </a:p>
         </p:txBody>
       </p:sp>
@@ -5251,7 +5145,7 @@
           <a:p>
             <a:pPr algn="ctr"/>
             <a:r>
-              <a:rPr lang="en-US" dirty="0" smtClean="0">
+              <a:rPr lang="en-US" dirty="0">
                 <a:solidFill>
                   <a:schemeClr val="tx1"/>
                 </a:solidFill>
@@ -5259,7 +5153,7 @@
               <a:t>Look at </a:t>
             </a:r>
             <a:r>
-              <a:rPr lang="en-US" dirty="0" err="1" smtClean="0">
+              <a:rPr lang="en-US" dirty="0" err="1">
                 <a:solidFill>
                   <a:schemeClr val="tx1"/>
                 </a:solidFill>
@@ -5267,18 +5161,13 @@
               <a:t>usb_cdc.data</a:t>
             </a:r>
             <a:r>
-              <a:rPr lang="en-US" dirty="0" smtClean="0">
+              <a:rPr lang="en-US" dirty="0">
                 <a:solidFill>
                   <a:schemeClr val="tx1"/>
                 </a:solidFill>
               </a:rPr>
               <a:t> port for new command</a:t>
             </a:r>
-            <a:endParaRPr lang="en-US" dirty="0">
-              <a:solidFill>
-                <a:schemeClr val="tx1"/>
-              </a:solidFill>
-            </a:endParaRPr>
           </a:p>
         </p:txBody>
       </p:sp>
@@ -5371,10 +5260,9 @@
           <a:lstStyle/>
           <a:p>
             <a:r>
-              <a:rPr lang="en-US" dirty="0" smtClean="0"/>
+              <a:rPr lang="en-US" dirty="0"/>
               <a:t>No</a:t>
             </a:r>
-            <a:endParaRPr lang="en-US" dirty="0"/>
           </a:p>
         </p:txBody>
       </p:sp>
@@ -5401,10 +5289,9 @@
           <a:lstStyle/>
           <a:p>
             <a:r>
-              <a:rPr lang="en-US" dirty="0" smtClean="0"/>
+              <a:rPr lang="en-US" dirty="0"/>
               <a:t>Yes</a:t>
             </a:r>
-            <a:endParaRPr lang="en-US" dirty="0"/>
           </a:p>
         </p:txBody>
       </p:sp>
@@ -5448,18 +5335,13 @@
           <a:p>
             <a:pPr algn="ctr"/>
             <a:r>
-              <a:rPr lang="en-US" dirty="0" smtClean="0">
+              <a:rPr lang="en-US" dirty="0">
                 <a:solidFill>
                   <a:schemeClr val="tx1"/>
                 </a:solidFill>
               </a:rPr>
               <a:t>Execute command if detected</a:t>
             </a:r>
-            <a:endParaRPr lang="en-US" dirty="0">
-              <a:solidFill>
-                <a:schemeClr val="tx1"/>
-              </a:solidFill>
-            </a:endParaRPr>
           </a:p>
         </p:txBody>
       </p:sp>
@@ -5619,10 +5501,9 @@
           <a:lstStyle/>
           <a:p>
             <a:r>
-              <a:rPr lang="en-US" dirty="0" smtClean="0"/>
+              <a:rPr lang="en-US" dirty="0"/>
               <a:t>Mainboard</a:t>
             </a:r>
-            <a:endParaRPr lang="en-US" dirty="0"/>
           </a:p>
         </p:txBody>
       </p:sp>
@@ -5649,10 +5530,9 @@
           <a:lstStyle/>
           <a:p>
             <a:r>
-              <a:rPr lang="en-US" dirty="0" smtClean="0"/>
+              <a:rPr lang="en-US" dirty="0"/>
               <a:t>Host PC</a:t>
             </a:r>
-            <a:endParaRPr lang="en-US" dirty="0"/>
           </a:p>
         </p:txBody>
       </p:sp>
@@ -5696,18 +5576,13 @@
           <a:p>
             <a:pPr algn="ctr"/>
             <a:r>
-              <a:rPr lang="en-US" dirty="0" smtClean="0">
+              <a:rPr lang="en-US" dirty="0">
                 <a:solidFill>
                   <a:schemeClr val="tx1"/>
                 </a:solidFill>
               </a:rPr>
               <a:t>Debug Data Stream Output</a:t>
             </a:r>
-            <a:endParaRPr lang="en-US" dirty="0">
-              <a:solidFill>
-                <a:schemeClr val="tx1"/>
-              </a:solidFill>
-            </a:endParaRPr>
           </a:p>
         </p:txBody>
       </p:sp>
@@ -5751,18 +5626,13 @@
           <a:p>
             <a:pPr algn="ctr"/>
             <a:r>
-              <a:rPr lang="en-US" dirty="0" smtClean="0">
+              <a:rPr lang="en-US" dirty="0">
                 <a:solidFill>
                   <a:schemeClr val="tx1"/>
                 </a:solidFill>
               </a:rPr>
               <a:t>Query host for simulation data</a:t>
             </a:r>
-            <a:endParaRPr lang="en-US" dirty="0">
-              <a:solidFill>
-                <a:schemeClr val="tx1"/>
-              </a:solidFill>
-            </a:endParaRPr>
           </a:p>
         </p:txBody>
       </p:sp>
@@ -5806,18 +5676,13 @@
           <a:p>
             <a:pPr algn="ctr"/>
             <a:r>
-              <a:rPr lang="en-US" dirty="0" smtClean="0">
+              <a:rPr lang="en-US" dirty="0">
                 <a:solidFill>
                   <a:schemeClr val="tx1"/>
                 </a:solidFill>
               </a:rPr>
               <a:t>Value simulation flag True?</a:t>
             </a:r>
-            <a:endParaRPr lang="en-US" dirty="0">
-              <a:solidFill>
-                <a:schemeClr val="tx1"/>
-              </a:solidFill>
-            </a:endParaRPr>
           </a:p>
         </p:txBody>
       </p:sp>
@@ -6070,18 +5935,13 @@
           <a:p>
             <a:pPr algn="ctr"/>
             <a:r>
-              <a:rPr lang="en-US" dirty="0" smtClean="0">
+              <a:rPr lang="en-US" dirty="0">
                 <a:solidFill>
                   <a:schemeClr val="tx1"/>
                 </a:solidFill>
               </a:rPr>
               <a:t>Send queried simulation value over</a:t>
             </a:r>
-            <a:endParaRPr lang="en-US" dirty="0">
-              <a:solidFill>
-                <a:schemeClr val="tx1"/>
-              </a:solidFill>
-            </a:endParaRPr>
           </a:p>
         </p:txBody>
       </p:sp>
@@ -6125,18 +5985,13 @@
           <a:p>
             <a:pPr algn="ctr"/>
             <a:r>
-              <a:rPr lang="en-US" dirty="0" smtClean="0">
+              <a:rPr lang="en-US" dirty="0">
                 <a:solidFill>
                   <a:schemeClr val="tx1"/>
                 </a:solidFill>
               </a:rPr>
               <a:t>Gather data from Debug data stream and display on GUI nicely</a:t>
             </a:r>
-            <a:endParaRPr lang="en-US" dirty="0">
-              <a:solidFill>
-                <a:schemeClr val="tx1"/>
-              </a:solidFill>
-            </a:endParaRPr>
           </a:p>
         </p:txBody>
       </p:sp>
@@ -6150,13 +6005,6 @@
   <p:clrMapOvr>
     <a:masterClrMapping/>
   </p:clrMapOvr>
-  <p:timing>
-    <p:tnLst>
-      <p:par>
-        <p:cTn id="1" dur="indefinite" restart="never" nodeType="tmRoot"/>
-      </p:par>
-    </p:tnLst>
-  </p:timing>
 </p:sld>
 </file>
 
@@ -6198,10 +6046,9 @@
           <a:lstStyle/>
           <a:p>
             <a:r>
-              <a:rPr lang="en-US" dirty="0" smtClean="0"/>
+              <a:rPr lang="en-US" dirty="0"/>
               <a:t>REPL terminal and data stream</a:t>
             </a:r>
-            <a:endParaRPr lang="en-US" dirty="0"/>
           </a:p>
         </p:txBody>
       </p:sp>
@@ -6254,40 +6101,39 @@
           <a:lstStyle/>
           <a:p>
             <a:r>
-              <a:rPr lang="en-US" dirty="0" smtClean="0"/>
+              <a:rPr lang="en-US" dirty="0"/>
               <a:t>Regular </a:t>
             </a:r>
             <a:r>
-              <a:rPr lang="en-US" dirty="0" err="1" smtClean="0"/>
+              <a:rPr lang="en-US" dirty="0" err="1"/>
               <a:t>circuitpython</a:t>
             </a:r>
             <a:r>
-              <a:rPr lang="en-US" dirty="0" smtClean="0"/>
+              <a:rPr lang="en-US" dirty="0"/>
               <a:t> terminal.</a:t>
             </a:r>
           </a:p>
           <a:p>
             <a:r>
-              <a:rPr lang="en-US" dirty="0" err="1" smtClean="0"/>
+              <a:rPr lang="en-US" dirty="0" err="1"/>
               <a:t>Cubesat.debug</a:t>
             </a:r>
             <a:r>
-              <a:rPr lang="en-US" dirty="0" smtClean="0"/>
+              <a:rPr lang="en-US" dirty="0"/>
               <a:t> prints data here</a:t>
             </a:r>
           </a:p>
           <a:p>
             <a:r>
-              <a:rPr lang="en-US" dirty="0" smtClean="0"/>
+              <a:rPr lang="en-US" dirty="0"/>
               <a:t>Print() command also prints here</a:t>
             </a:r>
           </a:p>
           <a:p>
             <a:r>
-              <a:rPr lang="en-US" dirty="0" smtClean="0"/>
+              <a:rPr lang="en-US" dirty="0"/>
               <a:t>Ctrl-C to end and ctrl-D to reload</a:t>
             </a:r>
-            <a:endParaRPr lang="en-US" dirty="0"/>
           </a:p>
         </p:txBody>
       </p:sp>
@@ -6301,13 +6147,6 @@
   <p:clrMapOvr>
     <a:masterClrMapping/>
   </p:clrMapOvr>
-  <p:timing>
-    <p:tnLst>
-      <p:par>
-        <p:cTn id="1" dur="indefinite" restart="never" nodeType="tmRoot"/>
-      </p:par>
-    </p:tnLst>
-  </p:timing>
 </p:sld>
 </file>
 
@@ -6344,35 +6183,35 @@
           <a:lstStyle/>
           <a:p>
             <a:r>
-              <a:rPr lang="en-US" dirty="0" smtClean="0"/>
+              <a:rPr lang="en-US" dirty="0"/>
               <a:t>What is a </a:t>
             </a:r>
             <a:r>
-              <a:rPr lang="en-US" dirty="0" err="1" smtClean="0"/>
+              <a:rPr lang="en-US" dirty="0" err="1"/>
               <a:t>cubesat</a:t>
             </a:r>
             <a:r>
-              <a:rPr lang="en-US" dirty="0" smtClean="0"/>
+              <a:rPr lang="en-US" dirty="0"/>
               <a:t> / </a:t>
             </a:r>
             <a:r>
-              <a:rPr lang="en-US" dirty="0" err="1" smtClean="0"/>
+              <a:rPr lang="en-US" dirty="0" err="1"/>
               <a:t>foras</a:t>
             </a:r>
             <a:r>
-              <a:rPr lang="en-US" dirty="0" smtClean="0"/>
+              <a:rPr lang="en-US" dirty="0"/>
               <a:t> </a:t>
             </a:r>
             <a:r>
-              <a:rPr lang="en-US" dirty="0" err="1" smtClean="0"/>
+              <a:rPr lang="en-US" dirty="0" err="1"/>
               <a:t>promineo</a:t>
             </a:r>
             <a:r>
-              <a:rPr lang="en-US" dirty="0" smtClean="0"/>
+              <a:rPr lang="en-US" dirty="0"/>
               <a:t> </a:t>
             </a:r>
             <a:r>
-              <a:rPr lang="en-US" dirty="0" smtClean="0">
+              <a:rPr lang="en-US" dirty="0">
                 <a:sym typeface="Wingdings" panose="05000000000000000000" pitchFamily="2" charset="2"/>
               </a:rPr>
               <a:t></a:t>
@@ -6461,10 +6300,9 @@
           <a:lstStyle/>
           <a:p>
             <a:r>
-              <a:rPr lang="en-US" dirty="0" smtClean="0"/>
+              <a:rPr lang="en-US" dirty="0"/>
               <a:t>Debug command terminal</a:t>
             </a:r>
-            <a:endParaRPr lang="en-US" dirty="0"/>
           </a:p>
         </p:txBody>
       </p:sp>
@@ -6517,43 +6355,43 @@
           <a:lstStyle/>
           <a:p>
             <a:r>
-              <a:rPr lang="en-US" dirty="0" smtClean="0"/>
+              <a:rPr lang="en-US" dirty="0"/>
               <a:t>First asci encoded word “</a:t>
             </a:r>
             <a:r>
-              <a:rPr lang="en-US" dirty="0" err="1" smtClean="0"/>
+              <a:rPr lang="en-US" dirty="0" err="1"/>
               <a:t>exec_cmd</a:t>
             </a:r>
             <a:r>
-              <a:rPr lang="en-US" dirty="0" smtClean="0"/>
+              <a:rPr lang="en-US" dirty="0"/>
               <a:t>” is the </a:t>
             </a:r>
             <a:r>
-              <a:rPr lang="en-US" dirty="0" err="1" smtClean="0"/>
+              <a:rPr lang="en-US" dirty="0" err="1"/>
               <a:t>keyphrase</a:t>
             </a:r>
             <a:r>
-              <a:rPr lang="en-US" dirty="0" smtClean="0"/>
+              <a:rPr lang="en-US" dirty="0"/>
               <a:t> for the command to run</a:t>
             </a:r>
           </a:p>
           <a:p>
             <a:r>
-              <a:rPr lang="en-US" dirty="0" smtClean="0"/>
+              <a:rPr lang="en-US" dirty="0"/>
               <a:t>Then “ “ space for arguments passed</a:t>
             </a:r>
           </a:p>
           <a:p>
             <a:r>
-              <a:rPr lang="en-US" dirty="0" smtClean="0"/>
+              <a:rPr lang="en-US" dirty="0"/>
               <a:t>All arguments are separated by “arg0,arg1” </a:t>
             </a:r>
             <a:r>
-              <a:rPr lang="en-US" b="1" dirty="0" smtClean="0"/>
+              <a:rPr lang="en-US" b="1" dirty="0"/>
               <a:t>comma</a:t>
             </a:r>
             <a:r>
-              <a:rPr lang="en-US" dirty="0" smtClean="0"/>
+              <a:rPr lang="en-US" dirty="0"/>
               <a:t> right now, not “arg0, arg1“ comma space</a:t>
             </a:r>
           </a:p>
@@ -6562,10 +6400,9 @@
           </a:p>
           <a:p>
             <a:r>
-              <a:rPr lang="en-US" dirty="0" smtClean="0"/>
+              <a:rPr lang="en-US" dirty="0"/>
               <a:t>Not implemented yet, but this is where the device will also ask for simulation data</a:t>
             </a:r>
-            <a:endParaRPr lang="en-US" dirty="0"/>
           </a:p>
         </p:txBody>
       </p:sp>
@@ -6579,13 +6416,6 @@
   <p:clrMapOvr>
     <a:masterClrMapping/>
   </p:clrMapOvr>
-  <p:timing>
-    <p:tnLst>
-      <p:par>
-        <p:cTn id="1" dur="indefinite" restart="never" nodeType="tmRoot"/>
-      </p:par>
-    </p:tnLst>
-  </p:timing>
 </p:sld>
 </file>
 
@@ -6627,10 +6457,9 @@
           <a:lstStyle/>
           <a:p>
             <a:r>
-              <a:rPr lang="en-US" dirty="0" smtClean="0"/>
+              <a:rPr lang="en-US" dirty="0"/>
               <a:t>Main Operation Modes of Satellite</a:t>
             </a:r>
-            <a:endParaRPr lang="en-US" dirty="0"/>
           </a:p>
         </p:txBody>
       </p:sp>
@@ -6737,10 +6566,9 @@
           <a:lstStyle/>
           <a:p>
             <a:r>
-              <a:rPr lang="en-US" dirty="0" smtClean="0"/>
+              <a:rPr lang="en-US" dirty="0"/>
               <a:t>STARTUP MODE</a:t>
             </a:r>
-            <a:endParaRPr lang="en-US" dirty="0"/>
           </a:p>
         </p:txBody>
       </p:sp>
@@ -6807,10 +6635,9 @@
           <a:lstStyle/>
           <a:p>
             <a:r>
-              <a:rPr lang="en-US" dirty="0" smtClean="0"/>
+              <a:rPr lang="en-US" dirty="0"/>
               <a:t>SAFE MODE</a:t>
             </a:r>
-            <a:endParaRPr lang="en-US" dirty="0"/>
           </a:p>
         </p:txBody>
       </p:sp>
@@ -6877,10 +6704,9 @@
           <a:lstStyle/>
           <a:p>
             <a:r>
-              <a:rPr lang="en-US" dirty="0" smtClean="0"/>
+              <a:rPr lang="en-US" dirty="0"/>
               <a:t>IDLE MODE</a:t>
             </a:r>
-            <a:endParaRPr lang="en-US" dirty="0"/>
           </a:p>
         </p:txBody>
       </p:sp>
@@ -6907,10 +6733,9 @@
           <a:lstStyle/>
           <a:p>
             <a:r>
-              <a:rPr lang="en-US" dirty="0" smtClean="0"/>
+              <a:rPr lang="en-US" dirty="0"/>
               <a:t>PAYLOAD MODE</a:t>
             </a:r>
-            <a:endParaRPr lang="en-US" dirty="0"/>
           </a:p>
         </p:txBody>
       </p:sp>
@@ -6937,24 +6762,23 @@
           <a:lstStyle/>
           <a:p>
             <a:r>
-              <a:rPr lang="en-US" dirty="0" smtClean="0"/>
+              <a:rPr lang="en-US" dirty="0"/>
               <a:t>Each mode will have several </a:t>
             </a:r>
             <a:r>
-              <a:rPr lang="en-US" dirty="0" err="1" smtClean="0"/>
+              <a:rPr lang="en-US" dirty="0" err="1"/>
               <a:t>substates</a:t>
             </a:r>
             <a:r>
-              <a:rPr lang="en-US" dirty="0" smtClean="0"/>
+              <a:rPr lang="en-US" dirty="0"/>
               <a:t>.</a:t>
             </a:r>
           </a:p>
           <a:p>
             <a:r>
-              <a:rPr lang="en-US" dirty="0" smtClean="0"/>
+              <a:rPr lang="en-US" dirty="0"/>
               <a:t>Each mode/state will probably have specific tasks/ change task settings on the fly.</a:t>
             </a:r>
-            <a:endParaRPr lang="en-US" dirty="0"/>
           </a:p>
         </p:txBody>
       </p:sp>
@@ -6985,7 +6809,7 @@
               <a:buChar char="•"/>
             </a:pPr>
             <a:r>
-              <a:rPr lang="en-US" sz="1600" dirty="0" smtClean="0">
+              <a:rPr lang="en-US" sz="1600" dirty="0">
                 <a:solidFill>
                   <a:schemeClr val="bg1"/>
                 </a:solidFill>
@@ -6999,7 +6823,7 @@
               <a:buChar char="•"/>
             </a:pPr>
             <a:r>
-              <a:rPr lang="en-US" sz="1600" dirty="0" smtClean="0">
+              <a:rPr lang="en-US" sz="1600" dirty="0">
                 <a:solidFill>
                   <a:schemeClr val="bg1"/>
                 </a:solidFill>
@@ -7007,14 +6831,14 @@
               <a:t>Deploys </a:t>
             </a:r>
             <a:r>
-              <a:rPr lang="en-US" sz="1600" dirty="0" err="1" smtClean="0">
+              <a:rPr lang="en-US" sz="1600" dirty="0" err="1">
                 <a:solidFill>
                   <a:schemeClr val="bg1"/>
                 </a:solidFill>
               </a:rPr>
               <a:t>deployables</a:t>
             </a:r>
-            <a:endParaRPr lang="en-US" sz="1600" dirty="0" smtClean="0">
+            <a:endParaRPr lang="en-US" sz="1600" dirty="0">
               <a:solidFill>
                 <a:schemeClr val="bg1"/>
               </a:solidFill>
@@ -7026,7 +6850,7 @@
               <a:buChar char="•"/>
             </a:pPr>
             <a:r>
-              <a:rPr lang="en-US" sz="1600" dirty="0" smtClean="0">
+              <a:rPr lang="en-US" sz="1600" dirty="0">
                 <a:solidFill>
                   <a:schemeClr val="bg1"/>
                 </a:solidFill>
@@ -7040,7 +6864,7 @@
               <a:buChar char="•"/>
             </a:pPr>
             <a:r>
-              <a:rPr lang="en-US" sz="1600" dirty="0" smtClean="0">
+              <a:rPr lang="en-US" sz="1600" dirty="0">
                 <a:solidFill>
                   <a:schemeClr val="bg1"/>
                 </a:solidFill>
@@ -7048,7 +6872,7 @@
               <a:t>i.e. ADCS </a:t>
             </a:r>
             <a:r>
-              <a:rPr lang="en-US" sz="1600" dirty="0" err="1" smtClean="0">
+              <a:rPr lang="en-US" sz="1600" dirty="0" err="1">
                 <a:solidFill>
                   <a:schemeClr val="bg1"/>
                 </a:solidFill>
@@ -7056,7 +6880,7 @@
               <a:t>detumble</a:t>
             </a:r>
             <a:r>
-              <a:rPr lang="en-US" sz="1600" dirty="0" smtClean="0">
+              <a:rPr lang="en-US" sz="1600" dirty="0">
                 <a:solidFill>
                   <a:schemeClr val="bg1"/>
                 </a:solidFill>
@@ -7070,7 +6894,7 @@
               <a:buChar char="•"/>
             </a:pPr>
             <a:r>
-              <a:rPr lang="en-US" sz="1600" dirty="0" smtClean="0">
+              <a:rPr lang="en-US" sz="1600" dirty="0">
                 <a:solidFill>
                   <a:schemeClr val="bg1"/>
                 </a:solidFill>
@@ -7084,18 +6908,13 @@
               <a:buChar char="•"/>
             </a:pPr>
             <a:r>
-              <a:rPr lang="en-US" sz="1600" dirty="0" smtClean="0">
+              <a:rPr lang="en-US" sz="1600" dirty="0">
                 <a:solidFill>
                   <a:schemeClr val="bg1"/>
                 </a:solidFill>
               </a:rPr>
               <a:t>ETC.</a:t>
             </a:r>
-            <a:endParaRPr lang="en-US" sz="1600" dirty="0">
-              <a:solidFill>
-                <a:schemeClr val="bg1"/>
-              </a:solidFill>
-            </a:endParaRPr>
           </a:p>
         </p:txBody>
       </p:sp>
@@ -7126,7 +6945,7 @@
               <a:buChar char="•"/>
             </a:pPr>
             <a:r>
-              <a:rPr lang="en-US" sz="1600" dirty="0" smtClean="0">
+              <a:rPr lang="en-US" sz="1600" dirty="0">
                 <a:solidFill>
                   <a:schemeClr val="bg1"/>
                 </a:solidFill>
@@ -7140,18 +6959,13 @@
               <a:buChar char="•"/>
             </a:pPr>
             <a:r>
-              <a:rPr lang="en-US" sz="1600" dirty="0" smtClean="0">
+              <a:rPr lang="en-US" sz="1600" dirty="0">
                 <a:solidFill>
                   <a:schemeClr val="bg1"/>
                 </a:solidFill>
               </a:rPr>
               <a:t>Probably will beacon once for help during this. An override function may be implemented</a:t>
             </a:r>
-            <a:endParaRPr lang="en-US" sz="1600" dirty="0">
-              <a:solidFill>
-                <a:schemeClr val="bg1"/>
-              </a:solidFill>
-            </a:endParaRPr>
           </a:p>
         </p:txBody>
       </p:sp>
@@ -7182,7 +6996,7 @@
               <a:buChar char="•"/>
             </a:pPr>
             <a:r>
-              <a:rPr lang="en-US" sz="1600" dirty="0" smtClean="0">
+              <a:rPr lang="en-US" sz="1600" dirty="0">
                 <a:solidFill>
                   <a:schemeClr val="bg1"/>
                 </a:solidFill>
@@ -7196,7 +7010,7 @@
               <a:buChar char="•"/>
             </a:pPr>
             <a:r>
-              <a:rPr lang="en-US" sz="1600" dirty="0" smtClean="0">
+              <a:rPr lang="en-US" sz="1600" dirty="0">
                 <a:solidFill>
                   <a:schemeClr val="bg1"/>
                 </a:solidFill>
@@ -7204,7 +7018,7 @@
               <a:t>Will beacon over </a:t>
             </a:r>
             <a:r>
-              <a:rPr lang="en-US" sz="1600" dirty="0" err="1" smtClean="0">
+              <a:rPr lang="en-US" sz="1600" dirty="0" err="1">
                 <a:solidFill>
                   <a:schemeClr val="bg1"/>
                 </a:solidFill>
@@ -7212,7 +7026,7 @@
               <a:t>LoRa</a:t>
             </a:r>
             <a:r>
-              <a:rPr lang="en-US" sz="1600" dirty="0" smtClean="0">
+              <a:rPr lang="en-US" sz="1600" dirty="0">
                 <a:solidFill>
                   <a:schemeClr val="bg1"/>
                 </a:solidFill>
@@ -7226,7 +7040,7 @@
               <a:buChar char="•"/>
             </a:pPr>
             <a:r>
-              <a:rPr lang="en-US" sz="1600" dirty="0" smtClean="0">
+              <a:rPr lang="en-US" sz="1600" dirty="0">
                 <a:solidFill>
                   <a:schemeClr val="bg1"/>
                 </a:solidFill>
@@ -7240,18 +7054,13 @@
               <a:buChar char="•"/>
             </a:pPr>
             <a:r>
-              <a:rPr lang="en-US" sz="1600" dirty="0" smtClean="0">
+              <a:rPr lang="en-US" sz="1600" dirty="0">
                 <a:solidFill>
                   <a:schemeClr val="bg1"/>
                 </a:solidFill>
               </a:rPr>
               <a:t>ADCS in point mode</a:t>
             </a:r>
-            <a:endParaRPr lang="en-US" sz="1600" dirty="0">
-              <a:solidFill>
-                <a:schemeClr val="bg1"/>
-              </a:solidFill>
-            </a:endParaRPr>
           </a:p>
         </p:txBody>
       </p:sp>
@@ -7282,7 +7091,7 @@
               <a:buChar char="•"/>
             </a:pPr>
             <a:r>
-              <a:rPr lang="en-US" sz="1400" dirty="0" smtClean="0">
+              <a:rPr lang="en-US" sz="1400" dirty="0">
                 <a:solidFill>
                   <a:schemeClr val="bg1"/>
                 </a:solidFill>
@@ -7296,7 +7105,7 @@
               <a:buChar char="•"/>
             </a:pPr>
             <a:r>
-              <a:rPr lang="en-US" sz="1400" dirty="0" err="1" smtClean="0">
+              <a:rPr lang="en-US" sz="1400" dirty="0" err="1">
                 <a:solidFill>
                   <a:schemeClr val="bg1"/>
                 </a:solidFill>
@@ -7304,7 +7113,7 @@
               <a:t>Recieves</a:t>
             </a:r>
             <a:r>
-              <a:rPr lang="en-US" sz="1400" dirty="0" smtClean="0">
+              <a:rPr lang="en-US" sz="1400" dirty="0">
                 <a:solidFill>
                   <a:schemeClr val="bg1"/>
                 </a:solidFill>
@@ -7312,7 +7121,7 @@
               <a:t> data stream over </a:t>
             </a:r>
             <a:r>
-              <a:rPr lang="en-US" sz="1400" dirty="0" err="1" smtClean="0">
+              <a:rPr lang="en-US" sz="1400" dirty="0" err="1">
                 <a:solidFill>
                   <a:schemeClr val="bg1"/>
                 </a:solidFill>
@@ -7320,7 +7129,7 @@
               <a:t>LoRa</a:t>
             </a:r>
             <a:r>
-              <a:rPr lang="en-US" sz="1400" dirty="0" smtClean="0">
+              <a:rPr lang="en-US" sz="1400" dirty="0">
                 <a:solidFill>
                   <a:schemeClr val="bg1"/>
                 </a:solidFill>
@@ -7334,7 +7143,7 @@
               <a:buChar char="•"/>
             </a:pPr>
             <a:r>
-              <a:rPr lang="en-US" sz="1400" dirty="0" smtClean="0">
+              <a:rPr lang="en-US" sz="1400" dirty="0">
                 <a:solidFill>
                   <a:schemeClr val="bg1"/>
                 </a:solidFill>
@@ -7348,7 +7157,7 @@
               <a:buChar char="•"/>
             </a:pPr>
             <a:r>
-              <a:rPr lang="en-US" sz="1400" dirty="0" smtClean="0">
+              <a:rPr lang="en-US" sz="1400" dirty="0">
                 <a:solidFill>
                   <a:schemeClr val="bg1"/>
                 </a:solidFill>
@@ -7356,7 +7165,7 @@
               <a:t>ADCS in </a:t>
             </a:r>
             <a:r>
-              <a:rPr lang="en-US" sz="1400" dirty="0" err="1" smtClean="0">
+              <a:rPr lang="en-US" sz="1400" dirty="0" err="1">
                 <a:solidFill>
                   <a:schemeClr val="bg1"/>
                 </a:solidFill>
@@ -7364,7 +7173,7 @@
               <a:t>payload_comp</a:t>
             </a:r>
             <a:r>
-              <a:rPr lang="en-US" sz="1400" dirty="0" smtClean="0">
+              <a:rPr lang="en-US" sz="1400" dirty="0">
                 <a:solidFill>
                   <a:schemeClr val="bg1"/>
                 </a:solidFill>
@@ -7378,7 +7187,7 @@
               <a:buChar char="•"/>
             </a:pPr>
             <a:r>
-              <a:rPr lang="en-US" sz="1400" dirty="0" smtClean="0">
+              <a:rPr lang="en-US" sz="1400" dirty="0">
                 <a:solidFill>
                   <a:schemeClr val="bg1"/>
                 </a:solidFill>
@@ -7386,7 +7195,7 @@
               <a:t>If time, implement where </a:t>
             </a:r>
             <a:r>
-              <a:rPr lang="en-US" sz="1400" dirty="0" err="1" smtClean="0">
+              <a:rPr lang="en-US" sz="1400" dirty="0" err="1">
                 <a:solidFill>
                   <a:schemeClr val="bg1"/>
                 </a:solidFill>
@@ -7394,7 +7203,7 @@
               <a:t>cubesat</a:t>
             </a:r>
             <a:r>
-              <a:rPr lang="en-US" sz="1400" dirty="0" smtClean="0">
+              <a:rPr lang="en-US" sz="1400" dirty="0">
                 <a:solidFill>
                   <a:schemeClr val="bg1"/>
                 </a:solidFill>
@@ -7408,18 +7217,13 @@
               <a:buChar char="•"/>
             </a:pPr>
             <a:r>
-              <a:rPr lang="en-US" sz="1400" dirty="0" smtClean="0">
+              <a:rPr lang="en-US" sz="1400" dirty="0">
                 <a:solidFill>
                   <a:schemeClr val="bg1"/>
                 </a:solidFill>
               </a:rPr>
               <a:t>A “frame”-like interface will probably have to be defined with a strict state machine, error handling, and no getting held up on lost data.</a:t>
             </a:r>
-            <a:endParaRPr lang="en-US" sz="1400" dirty="0">
-              <a:solidFill>
-                <a:schemeClr val="bg1"/>
-              </a:solidFill>
-            </a:endParaRPr>
           </a:p>
         </p:txBody>
       </p:sp>
@@ -7433,13 +7237,6 @@
   <p:clrMapOvr>
     <a:masterClrMapping/>
   </p:clrMapOvr>
-  <p:timing>
-    <p:tnLst>
-      <p:par>
-        <p:cTn id="1" dur="indefinite" restart="never" nodeType="tmRoot"/>
-      </p:par>
-    </p:tnLst>
-  </p:timing>
 </p:sld>
 </file>
 
@@ -7476,10 +7273,9 @@
           <a:lstStyle/>
           <a:p>
             <a:r>
-              <a:rPr lang="en-US" dirty="0" smtClean="0"/>
+              <a:rPr lang="en-US" dirty="0"/>
               <a:t>STARTUP Mode</a:t>
             </a:r>
-            <a:endParaRPr lang="en-US" dirty="0"/>
           </a:p>
         </p:txBody>
       </p:sp>
@@ -7493,16 +7289,34 @@
             <p:ph idx="1"/>
           </p:nvPr>
         </p:nvSpPr>
-        <p:spPr/>
+        <p:spPr>
+          <a:xfrm>
+            <a:off x="838200" y="1850792"/>
+            <a:ext cx="10515600" cy="4351338"/>
+          </a:xfrm>
+        </p:spPr>
         <p:txBody>
           <a:bodyPr/>
           <a:lstStyle/>
           <a:p>
-            <a:r>
-              <a:rPr lang="en-US" dirty="0" smtClean="0"/>
-              <a:t>To-be Defined.</a:t>
-            </a:r>
-            <a:endParaRPr lang="en-US" dirty="0"/>
+            <a:pPr marL="514350" indent="-514350">
+              <a:buFont typeface="+mj-lt"/>
+              <a:buAutoNum type="arabicPeriod"/>
+            </a:pPr>
+            <a:r>
+              <a:rPr lang="en-US" dirty="0"/>
+              <a:t>Wait x amount of time</a:t>
+            </a:r>
+          </a:p>
+          <a:p>
+            <a:pPr marL="514350" indent="-514350">
+              <a:buFont typeface="+mj-lt"/>
+              <a:buAutoNum type="arabicPeriod"/>
+            </a:pPr>
+            <a:r>
+              <a:rPr lang="en-US" dirty="0"/>
+              <a:t>Deploy</a:t>
+            </a:r>
           </a:p>
         </p:txBody>
       </p:sp>
@@ -7516,13 +7330,6 @@
   <p:clrMapOvr>
     <a:masterClrMapping/>
   </p:clrMapOvr>
-  <p:timing>
-    <p:tnLst>
-      <p:par>
-        <p:cTn id="1" dur="indefinite" restart="never" nodeType="tmRoot"/>
-      </p:par>
-    </p:tnLst>
-  </p:timing>
 </p:sld>
 </file>
 
@@ -7559,10 +7366,9 @@
           <a:lstStyle/>
           <a:p>
             <a:r>
-              <a:rPr lang="en-US" dirty="0" smtClean="0"/>
+              <a:rPr lang="en-US" dirty="0"/>
               <a:t>Safe Mode</a:t>
             </a:r>
-            <a:endParaRPr lang="en-US" dirty="0"/>
           </a:p>
         </p:txBody>
       </p:sp>
@@ -7595,13 +7401,6 @@
   <p:clrMapOvr>
     <a:masterClrMapping/>
   </p:clrMapOvr>
-  <p:timing>
-    <p:tnLst>
-      <p:par>
-        <p:cTn id="1" dur="indefinite" restart="never" nodeType="tmRoot"/>
-      </p:par>
-    </p:tnLst>
-  </p:timing>
 </p:sld>
 </file>
 
@@ -7638,10 +7437,9 @@
           <a:lstStyle/>
           <a:p>
             <a:r>
-              <a:rPr lang="en-US" dirty="0" smtClean="0"/>
+              <a:rPr lang="en-US" dirty="0"/>
               <a:t>Idle Mode</a:t>
             </a:r>
-            <a:endParaRPr lang="en-US" dirty="0"/>
           </a:p>
         </p:txBody>
       </p:sp>
@@ -7674,13 +7472,6 @@
   <p:clrMapOvr>
     <a:masterClrMapping/>
   </p:clrMapOvr>
-  <p:timing>
-    <p:tnLst>
-      <p:par>
-        <p:cTn id="1" dur="indefinite" restart="never" nodeType="tmRoot"/>
-      </p:par>
-    </p:tnLst>
-  </p:timing>
 </p:sld>
 </file>
 
@@ -7717,10 +7508,9 @@
           <a:lstStyle/>
           <a:p>
             <a:r>
-              <a:rPr lang="en-US" dirty="0" smtClean="0"/>
+              <a:rPr lang="en-US" dirty="0"/>
               <a:t>Basic Radio Packet Structure</a:t>
             </a:r>
-            <a:endParaRPr lang="en-US" dirty="0"/>
           </a:p>
         </p:txBody>
       </p:sp>
@@ -7761,14 +7551,14 @@
           <a:p>
             <a:pPr algn="ctr"/>
             <a:r>
-              <a:rPr lang="en-US" dirty="0" smtClean="0"/>
+              <a:rPr lang="en-US" dirty="0"/>
               <a:t>Header</a:t>
             </a:r>
           </a:p>
           <a:p>
             <a:pPr algn="ctr"/>
             <a:r>
-              <a:rPr lang="en-US" dirty="0" smtClean="0"/>
+              <a:rPr lang="en-US" dirty="0"/>
               <a:t>1-4 bytes</a:t>
             </a:r>
           </a:p>
@@ -7811,17 +7601,16 @@
           <a:p>
             <a:pPr algn="ctr"/>
             <a:r>
-              <a:rPr lang="en-US" dirty="0" smtClean="0"/>
+              <a:rPr lang="en-US" dirty="0"/>
               <a:t>CMD</a:t>
             </a:r>
           </a:p>
           <a:p>
             <a:pPr algn="ctr"/>
             <a:r>
-              <a:rPr lang="en-US" dirty="0" smtClean="0"/>
+              <a:rPr lang="en-US" dirty="0"/>
               <a:t>1 byte</a:t>
             </a:r>
-            <a:endParaRPr lang="en-US" dirty="0"/>
           </a:p>
         </p:txBody>
       </p:sp>
@@ -7862,17 +7651,16 @@
           <a:p>
             <a:pPr algn="ctr"/>
             <a:r>
-              <a:rPr lang="en-US" dirty="0" smtClean="0"/>
+              <a:rPr lang="en-US" dirty="0"/>
               <a:t>ARGs</a:t>
             </a:r>
           </a:p>
           <a:p>
             <a:pPr algn="ctr"/>
             <a:r>
-              <a:rPr lang="en-US" dirty="0" smtClean="0"/>
+              <a:rPr lang="en-US" dirty="0"/>
               <a:t>1-x bytes</a:t>
             </a:r>
-            <a:endParaRPr lang="en-US" dirty="0"/>
           </a:p>
         </p:txBody>
       </p:sp>
@@ -7913,25 +7701,23 @@
           <a:p>
             <a:pPr algn="ctr"/>
             <a:r>
-              <a:rPr lang="en-US" dirty="0" smtClean="0"/>
+              <a:rPr lang="en-US" dirty="0"/>
               <a:t>CRC</a:t>
             </a:r>
-            <a:endParaRPr lang="en-US" dirty="0"/>
           </a:p>
           <a:p>
             <a:pPr algn="ctr"/>
             <a:r>
-              <a:rPr lang="en-US" dirty="0" smtClean="0"/>
+              <a:rPr lang="en-US" dirty="0"/>
               <a:t>(ideally CRC-32)</a:t>
             </a:r>
           </a:p>
           <a:p>
             <a:pPr algn="ctr"/>
             <a:r>
-              <a:rPr lang="en-US" dirty="0" smtClean="0"/>
+              <a:rPr lang="en-US" dirty="0"/>
               <a:t>4 bytes</a:t>
             </a:r>
-            <a:endParaRPr lang="en-US" dirty="0"/>
           </a:p>
         </p:txBody>
       </p:sp>
@@ -7943,7 +7729,7 @@
         </p:nvSpPr>
         <p:spPr>
           <a:xfrm>
-            <a:off x="9104912" y="2413685"/>
+            <a:off x="9079745" y="2413686"/>
             <a:ext cx="1871052" cy="1252151"/>
           </a:xfrm>
           <a:prstGeom prst="rect">
@@ -7972,17 +7758,135 @@
           <a:p>
             <a:pPr algn="ctr"/>
             <a:r>
-              <a:rPr lang="en-US" dirty="0" smtClean="0"/>
+              <a:rPr lang="en-US" dirty="0"/>
               <a:t>Termination</a:t>
             </a:r>
           </a:p>
           <a:p>
             <a:pPr algn="ctr"/>
             <a:r>
-              <a:rPr lang="en-US" dirty="0" smtClean="0"/>
+              <a:rPr lang="en-US" dirty="0"/>
               <a:t>1 byte</a:t>
             </a:r>
-            <a:endParaRPr lang="en-US" dirty="0"/>
+          </a:p>
+        </p:txBody>
+      </p:sp>
+      <p:sp>
+        <p:nvSpPr>
+          <p:cNvPr id="3" name="TextBox 2">
+            <a:extLst>
+              <a:ext uri="{FF2B5EF4-FFF2-40B4-BE49-F238E27FC236}">
+                <a16:creationId xmlns:a16="http://schemas.microsoft.com/office/drawing/2014/main" id="{BCA90853-9839-2429-261F-BB88EF111169}"/>
+              </a:ext>
+            </a:extLst>
+          </p:cNvPr>
+          <p:cNvSpPr txBox="1"/>
+          <p:nvPr/>
+        </p:nvSpPr>
+        <p:spPr>
+          <a:xfrm>
+            <a:off x="838200" y="1942358"/>
+            <a:ext cx="1707712" cy="369332"/>
+          </a:xfrm>
+          <a:prstGeom prst="rect">
+            <a:avLst/>
+          </a:prstGeom>
+          <a:noFill/>
+        </p:spPr>
+        <p:txBody>
+          <a:bodyPr wrap="none" rtlCol="0">
+            <a:spAutoFit/>
+          </a:bodyPr>
+          <a:lstStyle/>
+          <a:p>
+            <a:r>
+              <a:rPr lang="en-US" dirty="0"/>
+              <a:t>Sender Transmit</a:t>
+            </a:r>
+          </a:p>
+        </p:txBody>
+      </p:sp>
+      <p:sp>
+        <p:nvSpPr>
+          <p:cNvPr id="9" name="TextBox 8">
+            <a:extLst>
+              <a:ext uri="{FF2B5EF4-FFF2-40B4-BE49-F238E27FC236}">
+                <a16:creationId xmlns:a16="http://schemas.microsoft.com/office/drawing/2014/main" id="{B226937A-FEBF-B291-20B9-9FBCAFB09BBB}"/>
+              </a:ext>
+            </a:extLst>
+          </p:cNvPr>
+          <p:cNvSpPr txBox="1"/>
+          <p:nvPr/>
+        </p:nvSpPr>
+        <p:spPr>
+          <a:xfrm>
+            <a:off x="843781" y="3940336"/>
+            <a:ext cx="4280852" cy="369332"/>
+          </a:xfrm>
+          <a:prstGeom prst="rect">
+            <a:avLst/>
+          </a:prstGeom>
+          <a:noFill/>
+        </p:spPr>
+        <p:txBody>
+          <a:bodyPr wrap="none" rtlCol="0">
+            <a:spAutoFit/>
+          </a:bodyPr>
+          <a:lstStyle/>
+          <a:p>
+            <a:r>
+              <a:rPr lang="en-US" dirty="0"/>
+              <a:t>Receiver ACK (sent after header last packet)</a:t>
+            </a:r>
+          </a:p>
+        </p:txBody>
+      </p:sp>
+      <p:sp>
+        <p:nvSpPr>
+          <p:cNvPr id="10" name="Rectangle 9">
+            <a:extLst>
+              <a:ext uri="{FF2B5EF4-FFF2-40B4-BE49-F238E27FC236}">
+                <a16:creationId xmlns:a16="http://schemas.microsoft.com/office/drawing/2014/main" id="{9A465C84-DF0F-D9B2-8DFF-1CCAA2976EF3}"/>
+              </a:ext>
+            </a:extLst>
+          </p:cNvPr>
+          <p:cNvSpPr/>
+          <p:nvPr/>
+        </p:nvSpPr>
+        <p:spPr>
+          <a:xfrm>
+            <a:off x="1029625" y="4584166"/>
+            <a:ext cx="1894400" cy="1539796"/>
+          </a:xfrm>
+          <a:prstGeom prst="rect">
+            <a:avLst/>
+          </a:prstGeom>
+        </p:spPr>
+        <p:style>
+          <a:lnRef idx="2">
+            <a:schemeClr val="accent1">
+              <a:shade val="50000"/>
+            </a:schemeClr>
+          </a:lnRef>
+          <a:fillRef idx="1">
+            <a:schemeClr val="accent1"/>
+          </a:fillRef>
+          <a:effectRef idx="0">
+            <a:schemeClr val="accent1"/>
+          </a:effectRef>
+          <a:fontRef idx="minor">
+            <a:schemeClr val="lt1"/>
+          </a:fontRef>
+        </p:style>
+        <p:txBody>
+          <a:bodyPr rtlCol="0" anchor="ctr"/>
+          <a:lstStyle/>
+          <a:p>
+            <a:pPr algn="ctr"/>
+            <a:r>
+              <a:rPr lang="en-US" dirty="0"/>
+              <a:t>1-4 bytes</a:t>
+            </a:r>
           </a:p>
         </p:txBody>
       </p:sp>
@@ -8032,10 +7936,9 @@
           <a:lstStyle/>
           <a:p>
             <a:r>
-              <a:rPr lang="en-US" dirty="0" smtClean="0"/>
+              <a:rPr lang="en-US" dirty="0"/>
               <a:t>Header Structure</a:t>
             </a:r>
-            <a:endParaRPr lang="en-US" dirty="0"/>
           </a:p>
         </p:txBody>
       </p:sp>
@@ -8055,45 +7958,35 @@
           <a:lstStyle/>
           <a:p>
             <a:r>
-              <a:rPr lang="en-US" dirty="0" smtClean="0"/>
+              <a:rPr lang="en-US" dirty="0"/>
               <a:t>Byte 1= packet no.</a:t>
             </a:r>
           </a:p>
           <a:p>
             <a:r>
-              <a:rPr lang="en-US" dirty="0" smtClean="0"/>
-              <a:t>Byte 2 = number of packets in </a:t>
-            </a:r>
-            <a:r>
-              <a:rPr lang="en-US" dirty="0" err="1" smtClean="0"/>
-              <a:t>Tx</a:t>
-            </a:r>
-            <a:endParaRPr lang="en-US" dirty="0" smtClean="0"/>
-          </a:p>
-          <a:p>
-            <a:r>
-              <a:rPr lang="en-US" dirty="0" smtClean="0"/>
-              <a:t>Byte 3b0 = </a:t>
-            </a:r>
-            <a:r>
-              <a:rPr lang="en-US" dirty="0" err="1" smtClean="0"/>
+              <a:rPr lang="en-US" dirty="0"/>
+              <a:t>Byte 2 = number of packets in Tx</a:t>
+            </a:r>
+          </a:p>
+          <a:p>
+            <a:r>
+              <a:rPr lang="en-US" dirty="0"/>
+              <a:t>Byte 3 = number of bytes in Tx</a:t>
+            </a:r>
+          </a:p>
+          <a:p>
+            <a:r>
+              <a:rPr lang="en-US" dirty="0"/>
+              <a:t>Byte 4 = </a:t>
+            </a:r>
+            <a:r>
+              <a:rPr lang="en-US" dirty="0" err="1"/>
               <a:t>crc</a:t>
             </a:r>
             <a:r>
               <a:rPr lang="en-US" dirty="0"/>
-              <a:t> </a:t>
-            </a:r>
-            <a:r>
-              <a:rPr lang="en-US" dirty="0" smtClean="0"/>
-              <a:t>flag</a:t>
-            </a:r>
-          </a:p>
-          <a:p>
-            <a:r>
-              <a:rPr lang="en-US" dirty="0" smtClean="0"/>
-              <a:t>Byte 4 = nothing (can add more flags)</a:t>
-            </a:r>
-            <a:endParaRPr lang="en-US" dirty="0"/>
+              <a:t> flag (can add more flags)</a:t>
+            </a:r>
           </a:p>
         </p:txBody>
       </p:sp>
@@ -8143,10 +8036,9 @@
           <a:lstStyle/>
           <a:p>
             <a:r>
-              <a:rPr lang="en-US" dirty="0" smtClean="0"/>
+              <a:rPr lang="en-US" dirty="0"/>
               <a:t>Over the Air (OTA)(Radio) Commands</a:t>
             </a:r>
-            <a:endParaRPr lang="en-US" dirty="0"/>
           </a:p>
         </p:txBody>
       </p:sp>
@@ -8166,26 +8058,36 @@
           <a:lstStyle/>
           <a:p>
             <a:r>
-              <a:rPr lang="en-US" smtClean="0"/>
-              <a:t>2 </a:t>
-            </a:r>
-            <a:r>
-              <a:rPr lang="en-US" dirty="0" smtClean="0"/>
-              <a:t>byte command code</a:t>
-            </a:r>
-          </a:p>
-          <a:p>
-            <a:r>
-              <a:rPr lang="en-US" dirty="0" smtClean="0"/>
+              <a:rPr lang="en-US" dirty="0"/>
+              <a:t>2 byte command code</a:t>
+            </a:r>
+          </a:p>
+          <a:p>
+            <a:r>
+              <a:rPr lang="en-US" dirty="0"/>
               <a:t>Binary encoded, along with </a:t>
             </a:r>
             <a:r>
-              <a:rPr lang="en-US" dirty="0" err="1" smtClean="0"/>
+              <a:rPr lang="en-US" dirty="0" err="1"/>
               <a:t>args</a:t>
             </a:r>
             <a:r>
-              <a:rPr lang="en-US" dirty="0" smtClean="0"/>
+              <a:rPr lang="en-US" dirty="0"/>
               <a:t> passed.</a:t>
+            </a:r>
+          </a:p>
+          <a:p>
+            <a:r>
+              <a:rPr lang="en-US" dirty="0"/>
+              <a:t>Codes on </a:t>
+            </a:r>
+            <a:r>
+              <a:rPr lang="en-US" dirty="0" err="1"/>
+              <a:t>github</a:t>
+            </a:r>
+            <a:r>
+              <a:rPr lang="en-US" dirty="0"/>
+              <a:t> are not the ones we should use for flight</a:t>
             </a:r>
           </a:p>
           <a:p>
@@ -8239,10 +8141,9 @@
           <a:lstStyle/>
           <a:p>
             <a:r>
-              <a:rPr lang="en-US" dirty="0" smtClean="0"/>
+              <a:rPr lang="en-US" dirty="0"/>
               <a:t>Minimum Functional Payload</a:t>
             </a:r>
-            <a:endParaRPr lang="en-US" dirty="0"/>
           </a:p>
         </p:txBody>
       </p:sp>
@@ -8396,7 +8297,7 @@
           <a:p>
             <a:pPr algn="ctr"/>
             <a:r>
-              <a:rPr lang="en-US" dirty="0" smtClean="0">
+              <a:rPr lang="en-US" dirty="0">
                 <a:solidFill>
                   <a:schemeClr val="tx1"/>
                 </a:solidFill>
@@ -8404,7 +8305,7 @@
               <a:t>Send Payload </a:t>
             </a:r>
             <a:r>
-              <a:rPr lang="en-US" dirty="0" err="1" smtClean="0">
+              <a:rPr lang="en-US" dirty="0" err="1">
                 <a:solidFill>
                   <a:schemeClr val="tx1"/>
                 </a:solidFill>
@@ -8412,7 +8313,7 @@
               <a:t>Init</a:t>
             </a:r>
             <a:r>
-              <a:rPr lang="en-US" dirty="0" smtClean="0">
+              <a:rPr lang="en-US" dirty="0">
                 <a:solidFill>
                   <a:schemeClr val="tx1"/>
                 </a:solidFill>
@@ -8462,7 +8363,7 @@
           <a:p>
             <a:pPr algn="ctr"/>
             <a:r>
-              <a:rPr lang="en-US" dirty="0" smtClean="0">
+              <a:rPr lang="en-US" dirty="0">
                 <a:solidFill>
                   <a:schemeClr val="tx1"/>
                 </a:solidFill>
@@ -8470,7 +8371,7 @@
               <a:t>Send control data at x </a:t>
             </a:r>
             <a:r>
-              <a:rPr lang="en-US" dirty="0" err="1" smtClean="0">
+              <a:rPr lang="en-US" dirty="0" err="1">
                 <a:solidFill>
                   <a:schemeClr val="tx1"/>
                 </a:solidFill>
@@ -8478,18 +8379,13 @@
               <a:t>freq</a:t>
             </a:r>
             <a:r>
-              <a:rPr lang="en-US" dirty="0" smtClean="0">
+              <a:rPr lang="en-US" dirty="0">
                 <a:solidFill>
                   <a:schemeClr val="tx1"/>
                 </a:solidFill>
               </a:rPr>
               <a:t> </a:t>
             </a:r>
-            <a:endParaRPr lang="en-US" dirty="0" smtClean="0">
-              <a:solidFill>
-                <a:schemeClr val="tx1"/>
-              </a:solidFill>
-            </a:endParaRPr>
           </a:p>
         </p:txBody>
       </p:sp>
@@ -8533,18 +8429,13 @@
           <a:p>
             <a:pPr algn="ctr"/>
             <a:r>
-              <a:rPr lang="en-US" dirty="0" smtClean="0">
+              <a:rPr lang="en-US" dirty="0">
                 <a:solidFill>
                   <a:schemeClr val="tx1"/>
                 </a:solidFill>
               </a:rPr>
               <a:t>Receive photo every after x transmissions</a:t>
             </a:r>
-            <a:endParaRPr lang="en-US" dirty="0" smtClean="0">
-              <a:solidFill>
-                <a:schemeClr val="tx1"/>
-              </a:solidFill>
-            </a:endParaRPr>
           </a:p>
         </p:txBody>
       </p:sp>
@@ -8588,18 +8479,13 @@
           <a:p>
             <a:pPr algn="ctr"/>
             <a:r>
-              <a:rPr lang="en-US" dirty="0" smtClean="0">
+              <a:rPr lang="en-US" dirty="0">
                 <a:solidFill>
                   <a:schemeClr val="tx1"/>
                 </a:solidFill>
               </a:rPr>
               <a:t>Send ACK</a:t>
             </a:r>
-            <a:endParaRPr lang="en-US" dirty="0" smtClean="0">
-              <a:solidFill>
-                <a:schemeClr val="tx1"/>
-              </a:solidFill>
-            </a:endParaRPr>
           </a:p>
         </p:txBody>
       </p:sp>
@@ -8643,18 +8529,13 @@
           <a:p>
             <a:pPr algn="ctr"/>
             <a:r>
-              <a:rPr lang="en-US" dirty="0" smtClean="0">
+              <a:rPr lang="en-US" dirty="0">
                 <a:solidFill>
                   <a:schemeClr val="tx1"/>
                 </a:solidFill>
               </a:rPr>
               <a:t>Send ACK response</a:t>
             </a:r>
-            <a:endParaRPr lang="en-US" dirty="0" smtClean="0">
-              <a:solidFill>
-                <a:schemeClr val="tx1"/>
-              </a:solidFill>
-            </a:endParaRPr>
           </a:p>
         </p:txBody>
       </p:sp>
@@ -8698,30 +8579,22 @@
           <a:p>
             <a:pPr algn="ctr"/>
             <a:r>
-              <a:rPr lang="en-US" dirty="0" smtClean="0">
+              <a:rPr lang="en-US" dirty="0">
                 <a:solidFill>
                   <a:schemeClr val="tx1"/>
                 </a:solidFill>
               </a:rPr>
-              <a:t>add a flag to request to send a photo dow</a:t>
-            </a:r>
-            <a:r>
-              <a:rPr lang="en-US" dirty="0" smtClean="0">
-                <a:solidFill>
-                  <a:schemeClr val="tx1"/>
-                </a:solidFill>
-              </a:rPr>
-              <a:t>n after X </a:t>
-            </a:r>
-            <a:r>
-              <a:rPr lang="en-US" dirty="0" err="1" smtClean="0">
+              <a:t>add a flag to request to send a photo down after X </a:t>
+            </a:r>
+            <a:r>
+              <a:rPr lang="en-US" dirty="0" err="1">
                 <a:solidFill>
                   <a:schemeClr val="tx1"/>
                 </a:solidFill>
               </a:rPr>
               <a:t>rx’s</a:t>
             </a:r>
-            <a:endParaRPr lang="en-US" dirty="0" smtClean="0">
+            <a:endParaRPr lang="en-US" dirty="0">
               <a:solidFill>
                 <a:schemeClr val="tx1"/>
               </a:solidFill>
@@ -8872,18 +8745,13 @@
           <a:p>
             <a:pPr algn="ctr"/>
             <a:r>
-              <a:rPr lang="en-US" dirty="0" smtClean="0">
+              <a:rPr lang="en-US" dirty="0">
                 <a:solidFill>
                   <a:schemeClr val="tx1"/>
                 </a:solidFill>
               </a:rPr>
               <a:t>ACK</a:t>
             </a:r>
-            <a:endParaRPr lang="en-US" dirty="0" smtClean="0">
-              <a:solidFill>
-                <a:schemeClr val="tx1"/>
-              </a:solidFill>
-            </a:endParaRPr>
           </a:p>
         </p:txBody>
       </p:sp>
@@ -8996,18 +8864,13 @@
           <a:p>
             <a:pPr algn="ctr"/>
             <a:r>
-              <a:rPr lang="en-US" dirty="0" smtClean="0">
+              <a:rPr lang="en-US" dirty="0">
                 <a:solidFill>
                   <a:schemeClr val="tx1"/>
                 </a:solidFill>
               </a:rPr>
               <a:t>Send photo</a:t>
             </a:r>
-            <a:endParaRPr lang="en-US" dirty="0" smtClean="0">
-              <a:solidFill>
-                <a:schemeClr val="tx1"/>
-              </a:solidFill>
-            </a:endParaRPr>
           </a:p>
         </p:txBody>
       </p:sp>
@@ -9125,10 +8988,9 @@
           <a:lstStyle/>
           <a:p>
             <a:r>
-              <a:rPr lang="en-US" dirty="0" smtClean="0"/>
+              <a:rPr lang="en-US" dirty="0"/>
               <a:t>Payload Mode</a:t>
             </a:r>
-            <a:endParaRPr lang="en-US" dirty="0"/>
           </a:p>
         </p:txBody>
       </p:sp>
@@ -9161,13 +9023,6 @@
   <p:clrMapOvr>
     <a:masterClrMapping/>
   </p:clrMapOvr>
-  <p:timing>
-    <p:tnLst>
-      <p:par>
-        <p:cTn id="1" dur="indefinite" restart="never" nodeType="tmRoot"/>
-      </p:par>
-    </p:tnLst>
-  </p:timing>
 </p:sld>
 </file>
 
@@ -9204,10 +9059,9 @@
           <a:lstStyle/>
           <a:p>
             <a:r>
-              <a:rPr lang="en-US" dirty="0" smtClean="0"/>
+              <a:rPr lang="en-US" dirty="0"/>
               <a:t>Block of how it operates in space</a:t>
             </a:r>
-            <a:endParaRPr lang="en-US" dirty="0"/>
           </a:p>
         </p:txBody>
       </p:sp>
@@ -9283,10 +9137,9 @@
           <a:lstStyle/>
           <a:p>
             <a:r>
-              <a:rPr lang="en-US" dirty="0" smtClean="0"/>
+              <a:rPr lang="en-US" dirty="0"/>
               <a:t>adcs_task.py</a:t>
             </a:r>
-            <a:endParaRPr lang="en-US" dirty="0"/>
           </a:p>
         </p:txBody>
       </p:sp>
@@ -9319,13 +9172,6 @@
   <p:clrMapOvr>
     <a:masterClrMapping/>
   </p:clrMapOvr>
-  <p:timing>
-    <p:tnLst>
-      <p:par>
-        <p:cTn id="1" dur="indefinite" restart="never" nodeType="tmRoot"/>
-      </p:par>
-    </p:tnLst>
-  </p:timing>
 </p:sld>
 </file>
 
@@ -9362,10 +9208,9 @@
           <a:lstStyle/>
           <a:p>
             <a:r>
-              <a:rPr lang="en-US" dirty="0" smtClean="0"/>
+              <a:rPr lang="en-US" dirty="0"/>
               <a:t>payload_task.py</a:t>
             </a:r>
-            <a:endParaRPr lang="en-US" dirty="0"/>
           </a:p>
         </p:txBody>
       </p:sp>
@@ -9398,13 +9243,6 @@
   <p:clrMapOvr>
     <a:masterClrMapping/>
   </p:clrMapOvr>
-  <p:timing>
-    <p:tnLst>
-      <p:par>
-        <p:cTn id="1" dur="indefinite" restart="never" nodeType="tmRoot"/>
-      </p:par>
-    </p:tnLst>
-  </p:timing>
 </p:sld>
 </file>
 
@@ -9441,10 +9279,9 @@
           <a:lstStyle/>
           <a:p>
             <a:r>
-              <a:rPr lang="en-US" dirty="0" smtClean="0"/>
+              <a:rPr lang="en-US" dirty="0"/>
               <a:t>db_cdh.py / usb_data_task.py</a:t>
             </a:r>
-            <a:endParaRPr lang="en-US" dirty="0"/>
           </a:p>
         </p:txBody>
       </p:sp>
@@ -9464,16 +9301,15 @@
           <a:lstStyle/>
           <a:p>
             <a:r>
-              <a:rPr lang="en-US" dirty="0" smtClean="0"/>
+              <a:rPr lang="en-US" dirty="0"/>
               <a:t>Debug commands sent via host PC</a:t>
             </a:r>
           </a:p>
           <a:p>
             <a:r>
-              <a:rPr lang="en-US" dirty="0" smtClean="0"/>
+              <a:rPr lang="en-US" dirty="0"/>
               <a:t>Also implement ability to run regular flight cdh.py commands with normal output over radio and debug info via USB.</a:t>
             </a:r>
-            <a:endParaRPr lang="en-US" dirty="0"/>
           </a:p>
         </p:txBody>
       </p:sp>
@@ -9487,13 +9323,6 @@
   <p:clrMapOvr>
     <a:masterClrMapping/>
   </p:clrMapOvr>
-  <p:timing>
-    <p:tnLst>
-      <p:par>
-        <p:cTn id="1" dur="indefinite" restart="never" nodeType="tmRoot"/>
-      </p:par>
-    </p:tnLst>
-  </p:timing>
 </p:sld>
 </file>
 
@@ -9530,55 +9359,54 @@
           <a:lstStyle/>
           <a:p>
             <a:r>
-              <a:rPr lang="en-US" dirty="0" smtClean="0"/>
+              <a:rPr lang="en-US" dirty="0"/>
               <a:t>cdh.py</a:t>
             </a:r>
+          </a:p>
+        </p:txBody>
+      </p:sp>
+      <p:sp>
+        <p:nvSpPr>
+          <p:cNvPr id="3" name="Content Placeholder 2"/>
+          <p:cNvSpPr>
+            <a:spLocks noGrp="1"/>
+          </p:cNvSpPr>
+          <p:nvPr>
+            <p:ph idx="1"/>
+          </p:nvPr>
+        </p:nvSpPr>
+        <p:spPr/>
+        <p:txBody>
+          <a:bodyPr/>
+          <a:lstStyle/>
+          <a:p>
+            <a:r>
+              <a:rPr lang="en-US" dirty="0"/>
+              <a:t>All of the “in flight” commands will go here.</a:t>
+            </a:r>
+          </a:p>
+          <a:p>
+            <a:r>
+              <a:rPr lang="en-US" dirty="0"/>
+              <a:t>i.e. setting persistent settings, imitating payload, printing log, printing telemetry, etc.</a:t>
+            </a:r>
+          </a:p>
+          <a:p>
+            <a:r>
+              <a:rPr lang="en-US" dirty="0"/>
+              <a:t>Some commands like exec, query, and </a:t>
+            </a:r>
+            <a:r>
+              <a:rPr lang="en-US" dirty="0" err="1"/>
+              <a:t>hreset</a:t>
+            </a:r>
+            <a:r>
+              <a:rPr lang="en-US" dirty="0"/>
+              <a:t> will probably have to be password-protected in addition?</a:t>
+            </a:r>
+          </a:p>
+          <a:p>
             <a:endParaRPr lang="en-US" dirty="0"/>
-          </a:p>
-        </p:txBody>
-      </p:sp>
-      <p:sp>
-        <p:nvSpPr>
-          <p:cNvPr id="3" name="Content Placeholder 2"/>
-          <p:cNvSpPr>
-            <a:spLocks noGrp="1"/>
-          </p:cNvSpPr>
-          <p:nvPr>
-            <p:ph idx="1"/>
-          </p:nvPr>
-        </p:nvSpPr>
-        <p:spPr/>
-        <p:txBody>
-          <a:bodyPr/>
-          <a:lstStyle/>
-          <a:p>
-            <a:r>
-              <a:rPr lang="en-US" dirty="0" smtClean="0"/>
-              <a:t>All of the “in flight” commands will go here.</a:t>
-            </a:r>
-          </a:p>
-          <a:p>
-            <a:r>
-              <a:rPr lang="en-US" dirty="0" smtClean="0"/>
-              <a:t>i.e. setting persistent settings, imitating payload, printing log, printing telemetry, etc.</a:t>
-            </a:r>
-          </a:p>
-          <a:p>
-            <a:r>
-              <a:rPr lang="en-US" dirty="0" smtClean="0"/>
-              <a:t>Some commands like exec, query, and </a:t>
-            </a:r>
-            <a:r>
-              <a:rPr lang="en-US" dirty="0" err="1" smtClean="0"/>
-              <a:t>hreset</a:t>
-            </a:r>
-            <a:r>
-              <a:rPr lang="en-US" dirty="0" smtClean="0"/>
-              <a:t> will probably have to be password-protected in addition?</a:t>
-            </a:r>
-          </a:p>
-          <a:p>
-            <a:endParaRPr lang="en-US" dirty="0" smtClean="0"/>
           </a:p>
         </p:txBody>
       </p:sp>
@@ -9592,13 +9420,6 @@
   <p:clrMapOvr>
     <a:masterClrMapping/>
   </p:clrMapOvr>
-  <p:timing>
-    <p:tnLst>
-      <p:par>
-        <p:cTn id="1" dur="indefinite" restart="never" nodeType="tmRoot"/>
-      </p:par>
-    </p:tnLst>
-  </p:timing>
 </p:sld>
 </file>
 
@@ -9636,13 +9457,8 @@
           <a:p>
             <a:r>
               <a:rPr lang="en-US" dirty="0"/>
-              <a:t>B</a:t>
-            </a:r>
-            <a:r>
-              <a:rPr lang="en-US" dirty="0" smtClean="0"/>
-              <a:t>eacon tasks</a:t>
-            </a:r>
-            <a:endParaRPr lang="en-US" dirty="0"/>
+              <a:t>Beacon tasks</a:t>
+            </a:r>
           </a:p>
         </p:txBody>
       </p:sp>
@@ -9662,40 +9478,39 @@
           <a:lstStyle/>
           <a:p>
             <a:r>
-              <a:rPr lang="en-US" dirty="0" smtClean="0"/>
+              <a:rPr lang="en-US" dirty="0"/>
               <a:t>Idle mode beacon tasks for </a:t>
             </a:r>
             <a:r>
-              <a:rPr lang="en-US" dirty="0" err="1" smtClean="0"/>
+              <a:rPr lang="en-US" dirty="0" err="1"/>
               <a:t>LoRa</a:t>
             </a:r>
             <a:r>
-              <a:rPr lang="en-US" dirty="0" smtClean="0"/>
+              <a:rPr lang="en-US" dirty="0"/>
               <a:t> and </a:t>
             </a:r>
             <a:r>
-              <a:rPr lang="en-US" dirty="0" err="1" smtClean="0"/>
+              <a:rPr lang="en-US" dirty="0" err="1"/>
               <a:t>Irridium</a:t>
             </a:r>
             <a:r>
-              <a:rPr lang="en-US" dirty="0" smtClean="0"/>
+              <a:rPr lang="en-US" dirty="0"/>
               <a:t>.</a:t>
             </a:r>
           </a:p>
           <a:p>
             <a:r>
-              <a:rPr lang="en-US" dirty="0" smtClean="0"/>
+              <a:rPr lang="en-US" dirty="0"/>
               <a:t>Lora beacons at X frequency and </a:t>
             </a:r>
             <a:r>
-              <a:rPr lang="en-US" dirty="0" err="1" smtClean="0"/>
+              <a:rPr lang="en-US" dirty="0" err="1"/>
               <a:t>Irridium</a:t>
             </a:r>
             <a:r>
-              <a:rPr lang="en-US" dirty="0" smtClean="0"/>
+              <a:rPr lang="en-US" dirty="0"/>
               <a:t> beacons at X frequency. Both do CDH handling and can initiate a payload operation. TBR if iridium can handle a payload operation.</a:t>
             </a:r>
-            <a:endParaRPr lang="en-US" dirty="0"/>
           </a:p>
         </p:txBody>
       </p:sp>
@@ -9709,13 +9524,6 @@
   <p:clrMapOvr>
     <a:masterClrMapping/>
   </p:clrMapOvr>
-  <p:timing>
-    <p:tnLst>
-      <p:par>
-        <p:cTn id="1" dur="indefinite" restart="never" nodeType="tmRoot"/>
-      </p:par>
-    </p:tnLst>
-  </p:timing>
 </p:sld>
 </file>
 
@@ -9752,10 +9560,9 @@
           <a:lstStyle/>
           <a:p>
             <a:r>
-              <a:rPr lang="en-US" dirty="0" smtClean="0"/>
+              <a:rPr lang="en-US" dirty="0"/>
               <a:t>Telemetry gathering tasks</a:t>
             </a:r>
-            <a:endParaRPr lang="en-US" dirty="0"/>
           </a:p>
         </p:txBody>
       </p:sp>
@@ -9777,136 +9584,123 @@
           <a:lstStyle/>
           <a:p>
             <a:r>
-              <a:rPr lang="en-US" dirty="0" smtClean="0"/>
+              <a:rPr lang="en-US" dirty="0"/>
               <a:t>Imu_task.py</a:t>
             </a:r>
           </a:p>
           <a:p>
             <a:pPr lvl="1"/>
             <a:r>
-              <a:rPr lang="en-US" dirty="0" smtClean="0"/>
+              <a:rPr lang="en-US" dirty="0"/>
               <a:t>Reads IMU data and overwrites data in </a:t>
-            </a:r>
-            <a:r>
-              <a:rPr lang="en-US" dirty="0" err="1" smtClean="0"/>
-              <a:t>cubesat.data_buffer</a:t>
-            </a:r>
-            <a:r>
-              <a:rPr lang="en-US" dirty="0" smtClean="0"/>
-              <a:t>{“</a:t>
-            </a:r>
-            <a:r>
-              <a:rPr lang="en-US" dirty="0" err="1" smtClean="0"/>
-              <a:t>imu</a:t>
-            </a:r>
-            <a:r>
-              <a:rPr lang="en-US" dirty="0" smtClean="0"/>
-              <a:t>”}.</a:t>
-            </a:r>
-          </a:p>
-          <a:p>
-            <a:r>
-              <a:rPr lang="en-US" dirty="0" smtClean="0"/>
-              <a:t>GPS_task.py</a:t>
-            </a:r>
-          </a:p>
-          <a:p>
-            <a:pPr lvl="1"/>
-            <a:r>
-              <a:rPr lang="en-US" dirty="0"/>
-              <a:t>Reads </a:t>
-            </a:r>
-            <a:r>
-              <a:rPr lang="en-US" dirty="0" smtClean="0"/>
-              <a:t>GPS data </a:t>
-            </a:r>
-            <a:r>
-              <a:rPr lang="en-US" dirty="0"/>
-              <a:t>and </a:t>
-            </a:r>
-            <a:r>
-              <a:rPr lang="en-US" dirty="0" smtClean="0"/>
-              <a:t>overwrites data in </a:t>
             </a:r>
             <a:r>
               <a:rPr lang="en-US" dirty="0" err="1"/>
               <a:t>cubesat.data_buffer</a:t>
             </a:r>
             <a:r>
-              <a:rPr lang="en-US" dirty="0" smtClean="0"/>
+              <a:rPr lang="en-US" dirty="0"/>
               <a:t>{“</a:t>
             </a:r>
             <a:r>
-              <a:rPr lang="en-US" dirty="0" err="1" smtClean="0"/>
+              <a:rPr lang="en-US" dirty="0" err="1"/>
+              <a:t>imu</a:t>
+            </a:r>
+            <a:r>
+              <a:rPr lang="en-US" dirty="0"/>
+              <a:t>”}.</a:t>
+            </a:r>
+          </a:p>
+          <a:p>
+            <a:r>
+              <a:rPr lang="en-US" dirty="0"/>
+              <a:t>GPS_task.py</a:t>
+            </a:r>
+          </a:p>
+          <a:p>
+            <a:pPr lvl="1"/>
+            <a:r>
+              <a:rPr lang="en-US" dirty="0"/>
+              <a:t>Reads GPS data and overwrites data in </a:t>
+            </a:r>
+            <a:r>
+              <a:rPr lang="en-US" dirty="0" err="1"/>
+              <a:t>cubesat.data_buffer</a:t>
+            </a:r>
+            <a:r>
+              <a:rPr lang="en-US" dirty="0"/>
+              <a:t>{“</a:t>
+            </a:r>
+            <a:r>
+              <a:rPr lang="en-US" dirty="0" err="1"/>
               <a:t>gps</a:t>
             </a:r>
             <a:r>
-              <a:rPr lang="en-US" dirty="0" smtClean="0"/>
+              <a:rPr lang="en-US" dirty="0"/>
               <a:t>"}</a:t>
             </a:r>
           </a:p>
           <a:p>
             <a:r>
-              <a:rPr lang="en-US" dirty="0" smtClean="0"/>
+              <a:rPr lang="en-US" dirty="0"/>
               <a:t>Temperature_task.py</a:t>
             </a:r>
           </a:p>
           <a:p>
             <a:pPr lvl="1"/>
             <a:r>
-              <a:rPr lang="en-US" dirty="0" smtClean="0"/>
+              <a:rPr lang="en-US" dirty="0"/>
               <a:t>Reads various temperatures and overwrites data in </a:t>
             </a:r>
             <a:r>
-              <a:rPr lang="en-US" dirty="0" err="1" smtClean="0"/>
+              <a:rPr lang="en-US" dirty="0" err="1"/>
               <a:t>cubesat.data_buffer</a:t>
             </a:r>
             <a:r>
-              <a:rPr lang="en-US" dirty="0" smtClean="0"/>
+              <a:rPr lang="en-US" dirty="0"/>
               <a:t>{“temp”}</a:t>
             </a:r>
           </a:p>
           <a:p>
             <a:pPr lvl="1"/>
             <a:r>
-              <a:rPr lang="en-US" dirty="0" smtClean="0"/>
+              <a:rPr lang="en-US" dirty="0"/>
               <a:t>Turns overheating devices off.</a:t>
             </a:r>
           </a:p>
           <a:p>
             <a:r>
-              <a:rPr lang="en-US" dirty="0" smtClean="0"/>
+              <a:rPr lang="en-US" dirty="0"/>
               <a:t>Time_task.py</a:t>
             </a:r>
           </a:p>
           <a:p>
             <a:pPr lvl="1"/>
             <a:r>
-              <a:rPr lang="en-US" dirty="0" smtClean="0"/>
+              <a:rPr lang="en-US" dirty="0"/>
               <a:t>Prints time data.</a:t>
             </a:r>
           </a:p>
           <a:p>
             <a:r>
-              <a:rPr lang="en-US" dirty="0" smtClean="0"/>
+              <a:rPr lang="en-US" dirty="0"/>
               <a:t>Battery_task.py</a:t>
             </a:r>
           </a:p>
           <a:p>
             <a:pPr lvl="1"/>
             <a:r>
-              <a:rPr lang="en-US" dirty="0" smtClean="0"/>
+              <a:rPr lang="en-US" dirty="0"/>
               <a:t>Gathers battery information and power readings. </a:t>
             </a:r>
             <a:r>
-              <a:rPr lang="en-US" dirty="0" err="1" smtClean="0"/>
+              <a:rPr lang="en-US" dirty="0" err="1"/>
               <a:t>Initates</a:t>
             </a:r>
             <a:r>
-              <a:rPr lang="en-US" dirty="0" smtClean="0"/>
+              <a:rPr lang="en-US" dirty="0"/>
               <a:t> safe mode if low battery is detected.</a:t>
             </a:r>
-            <a:endParaRPr lang="en-US" dirty="0"/>
           </a:p>
         </p:txBody>
       </p:sp>
@@ -9920,13 +9714,6 @@
   <p:clrMapOvr>
     <a:masterClrMapping/>
   </p:clrMapOvr>
-  <p:timing>
-    <p:tnLst>
-      <p:par>
-        <p:cTn id="1" dur="indefinite" restart="never" nodeType="tmRoot"/>
-      </p:par>
-    </p:tnLst>
-  </p:timing>
 </p:sld>
 </file>
 
@@ -9963,10 +9750,9 @@
           <a:lstStyle/>
           <a:p>
             <a:r>
-              <a:rPr lang="en-US" dirty="0" smtClean="0"/>
+              <a:rPr lang="en-US" dirty="0"/>
               <a:t>Housekeeper task</a:t>
             </a:r>
-            <a:endParaRPr lang="en-US" dirty="0"/>
           </a:p>
         </p:txBody>
       </p:sp>
@@ -9986,36 +9772,36 @@
           <a:lstStyle/>
           <a:p>
             <a:r>
-              <a:rPr lang="en-US" dirty="0" smtClean="0"/>
+              <a:rPr lang="en-US" dirty="0"/>
               <a:t>Maybe break into a bunch of smaller tasks?</a:t>
             </a:r>
           </a:p>
           <a:p>
             <a:r>
-              <a:rPr lang="en-US" dirty="0" smtClean="0"/>
+              <a:rPr lang="en-US" dirty="0"/>
               <a:t>If a device has faulted out (happens more than you think!) it will attempt to reset the device(s) ~1x per hour?</a:t>
             </a:r>
           </a:p>
           <a:p>
             <a:r>
-              <a:rPr lang="en-US" dirty="0" smtClean="0"/>
+              <a:rPr lang="en-US" dirty="0"/>
               <a:t>Preforms a daily hard reset to the satellite</a:t>
             </a:r>
           </a:p>
           <a:p>
             <a:r>
-              <a:rPr lang="en-US" dirty="0" smtClean="0"/>
+              <a:rPr lang="en-US" dirty="0"/>
               <a:t>Other housekeeping tasks?</a:t>
             </a:r>
           </a:p>
           <a:p>
             <a:pPr lvl="1"/>
             <a:r>
-              <a:rPr lang="en-US" dirty="0" err="1" smtClean="0"/>
+              <a:rPr lang="en-US" dirty="0" err="1"/>
               <a:t>gc_collect</a:t>
             </a:r>
             <a:r>
-              <a:rPr lang="en-US" dirty="0" smtClean="0"/>
+              <a:rPr lang="en-US" dirty="0"/>
               <a:t> is already it’s own thing running at 2Hz</a:t>
             </a:r>
           </a:p>
@@ -10034,13 +9820,6 @@
   <p:clrMapOvr>
     <a:masterClrMapping/>
   </p:clrMapOvr>
-  <p:timing>
-    <p:tnLst>
-      <p:par>
-        <p:cTn id="1" dur="indefinite" restart="never" nodeType="tmRoot"/>
-      </p:par>
-    </p:tnLst>
-  </p:timing>
 </p:sld>
 </file>
 
@@ -10077,7 +9856,7 @@
           <a:lstStyle/>
           <a:p>
             <a:r>
-              <a:rPr lang="en-US" dirty="0" err="1" smtClean="0"/>
+              <a:rPr lang="en-US" dirty="0" err="1"/>
               <a:t>Conops</a:t>
             </a:r>
             <a:endParaRPr lang="en-US" dirty="0"/>
@@ -10100,28 +9879,27 @@
           <a:lstStyle/>
           <a:p>
             <a:r>
-              <a:rPr lang="en-US" dirty="0" smtClean="0"/>
+              <a:rPr lang="en-US" dirty="0"/>
               <a:t>Host PC software</a:t>
             </a:r>
           </a:p>
           <a:p>
             <a:r>
-              <a:rPr lang="en-US" dirty="0" smtClean="0"/>
+              <a:rPr lang="en-US" dirty="0"/>
               <a:t>Ground Station PC Software</a:t>
             </a:r>
           </a:p>
           <a:p>
             <a:r>
-              <a:rPr lang="en-US" dirty="0" smtClean="0"/>
+              <a:rPr lang="en-US" dirty="0"/>
               <a:t>Satellite Software</a:t>
             </a:r>
           </a:p>
           <a:p>
             <a:r>
-              <a:rPr lang="en-US" dirty="0" smtClean="0"/>
+              <a:rPr lang="en-US" dirty="0"/>
               <a:t>Website</a:t>
             </a:r>
-            <a:endParaRPr lang="en-US" dirty="0"/>
           </a:p>
         </p:txBody>
       </p:sp>
@@ -10171,10 +9949,9 @@
           <a:lstStyle/>
           <a:p>
             <a:r>
-              <a:rPr lang="en-US" dirty="0" smtClean="0"/>
+              <a:rPr lang="en-US" dirty="0"/>
               <a:t>Satellite Software Preface</a:t>
             </a:r>
-            <a:endParaRPr lang="en-US" dirty="0"/>
           </a:p>
         </p:txBody>
       </p:sp>
@@ -10201,91 +9978,91 @@
           <a:lstStyle/>
           <a:p>
             <a:r>
-              <a:rPr lang="en-US" dirty="0" smtClean="0"/>
+              <a:rPr lang="en-US" dirty="0"/>
               <a:t>Satellite programming is mostly in </a:t>
             </a:r>
             <a:r>
-              <a:rPr lang="en-US" dirty="0" err="1" smtClean="0"/>
+              <a:rPr lang="en-US" dirty="0" err="1"/>
               <a:t>circuitpython</a:t>
             </a:r>
             <a:r>
-              <a:rPr lang="en-US" dirty="0" smtClean="0"/>
+              <a:rPr lang="en-US" dirty="0"/>
               <a:t>. Firmware is written in C, but Caden has taken care of that. (mostly just pin definitions anyways…)</a:t>
             </a:r>
           </a:p>
           <a:p>
             <a:r>
-              <a:rPr lang="en-US" dirty="0" smtClean="0"/>
+              <a:rPr lang="en-US" dirty="0"/>
               <a:t>Satellite programming is for a MICROCONTROLLER, so it is MUCH less powerful and fast than a PC!!</a:t>
             </a:r>
           </a:p>
           <a:p>
             <a:pPr lvl="1"/>
             <a:r>
-              <a:rPr lang="en-US" dirty="0" smtClean="0"/>
+              <a:rPr lang="en-US" dirty="0"/>
               <a:t>i.e. during normal execution there is &lt;1MByte of RAM available for task execution.</a:t>
             </a:r>
           </a:p>
           <a:p>
             <a:pPr lvl="1"/>
             <a:r>
-              <a:rPr lang="en-US" dirty="0" smtClean="0"/>
+              <a:rPr lang="en-US" dirty="0"/>
               <a:t>Floating point is MUCH slower than integer operations</a:t>
             </a:r>
           </a:p>
           <a:p>
             <a:pPr lvl="1"/>
             <a:r>
-              <a:rPr lang="en-US" dirty="0" smtClean="0"/>
+              <a:rPr lang="en-US" dirty="0"/>
               <a:t>Data transactions over the radio are limited to 256 byte packets.</a:t>
             </a:r>
           </a:p>
           <a:p>
             <a:pPr lvl="1"/>
             <a:r>
-              <a:rPr lang="en-US" dirty="0" smtClean="0"/>
+              <a:rPr lang="en-US" dirty="0"/>
               <a:t>UART interface to payload is running at ~1MHz but is unverified.</a:t>
             </a:r>
           </a:p>
           <a:p>
             <a:r>
-              <a:rPr lang="en-US" dirty="0" smtClean="0"/>
+              <a:rPr lang="en-US" dirty="0"/>
               <a:t>Good practice is to just be mindful of what resources / typing your code is using.</a:t>
             </a:r>
           </a:p>
           <a:p>
             <a:pPr lvl="1"/>
             <a:r>
-              <a:rPr lang="en-US" dirty="0" smtClean="0"/>
+              <a:rPr lang="en-US" dirty="0"/>
               <a:t>Since python is dynamically typed, type casting in this application is quite important!</a:t>
             </a:r>
           </a:p>
           <a:p>
             <a:pPr lvl="2"/>
             <a:r>
-              <a:rPr lang="en-US" dirty="0" smtClean="0"/>
+              <a:rPr lang="en-US" dirty="0"/>
               <a:t>i.e. differences between a bool, </a:t>
             </a:r>
             <a:r>
-              <a:rPr lang="en-US" dirty="0" err="1" smtClean="0"/>
+              <a:rPr lang="en-US" dirty="0" err="1"/>
               <a:t>int</a:t>
             </a:r>
             <a:r>
-              <a:rPr lang="en-US" dirty="0" smtClean="0"/>
+              <a:rPr lang="en-US" dirty="0"/>
               <a:t>, float, and string object.</a:t>
             </a:r>
           </a:p>
           <a:p>
             <a:pPr lvl="2"/>
             <a:r>
-              <a:rPr lang="en-US" dirty="0" smtClean="0"/>
+              <a:rPr lang="en-US" dirty="0"/>
               <a:t>Also be aware of various decorations like the 0x (hex) or b’’ (binary) prefix, or @</a:t>
             </a:r>
             <a:r>
-              <a:rPr lang="en-US" dirty="0" err="1" smtClean="0"/>
+              <a:rPr lang="en-US" dirty="0" err="1"/>
               <a:t>property.setters</a:t>
             </a:r>
-            <a:endParaRPr lang="en-US" dirty="0" smtClean="0"/>
+            <a:endParaRPr lang="en-US" dirty="0"/>
           </a:p>
         </p:txBody>
       </p:sp>
@@ -10299,13 +10076,6 @@
   <p:clrMapOvr>
     <a:masterClrMapping/>
   </p:clrMapOvr>
-  <p:timing>
-    <p:tnLst>
-      <p:par>
-        <p:cTn id="1" dur="indefinite" restart="never" nodeType="tmRoot"/>
-      </p:par>
-    </p:tnLst>
-  </p:timing>
 </p:sld>
 </file>
 
@@ -10342,10 +10112,9 @@
           <a:lstStyle/>
           <a:p>
             <a:r>
-              <a:rPr lang="en-US" dirty="0" smtClean="0"/>
+              <a:rPr lang="en-US" dirty="0"/>
               <a:t>Preface (cont.)</a:t>
             </a:r>
-            <a:endParaRPr lang="en-US" dirty="0"/>
           </a:p>
         </p:txBody>
       </p:sp>
@@ -10365,23 +10134,23 @@
           <a:lstStyle/>
           <a:p>
             <a:r>
-              <a:rPr lang="en-US" dirty="0" smtClean="0"/>
+              <a:rPr lang="en-US" dirty="0"/>
               <a:t>A lot of the </a:t>
             </a:r>
             <a:r>
-              <a:rPr lang="en-US" dirty="0" err="1" smtClean="0"/>
+              <a:rPr lang="en-US" dirty="0" err="1"/>
               <a:t>backround</a:t>
             </a:r>
             <a:r>
-              <a:rPr lang="en-US" dirty="0" smtClean="0"/>
+              <a:rPr lang="en-US" dirty="0"/>
               <a:t> lower-level libs have been written by Max Alvarez (guy who developed </a:t>
             </a:r>
             <a:r>
-              <a:rPr lang="en-US" dirty="0" err="1" smtClean="0"/>
+              <a:rPr lang="en-US" dirty="0" err="1"/>
               <a:t>pycubed</a:t>
             </a:r>
             <a:r>
-              <a:rPr lang="en-US" dirty="0" smtClean="0"/>
+              <a:rPr lang="en-US" dirty="0"/>
               <a:t> architecture) or wrote and modified by Caden (me)</a:t>
             </a:r>
           </a:p>
@@ -10400,13 +10169,6 @@
   <p:clrMapOvr>
     <a:masterClrMapping/>
   </p:clrMapOvr>
-  <p:timing>
-    <p:tnLst>
-      <p:par>
-        <p:cTn id="1" dur="indefinite" restart="never" nodeType="tmRoot"/>
-      </p:par>
-    </p:tnLst>
-  </p:timing>
 </p:sld>
 </file>
 
@@ -10443,18 +10205,17 @@
           <a:lstStyle/>
           <a:p>
             <a:r>
-              <a:rPr lang="en-US" dirty="0" smtClean="0"/>
+              <a:rPr lang="en-US" dirty="0"/>
               <a:t>Using </a:t>
             </a:r>
             <a:r>
-              <a:rPr lang="en-US" dirty="0" err="1" smtClean="0"/>
+              <a:rPr lang="en-US" dirty="0" err="1"/>
               <a:t>Github</a:t>
             </a:r>
             <a:r>
-              <a:rPr lang="en-US" dirty="0" smtClean="0"/>
+              <a:rPr lang="en-US" dirty="0"/>
               <a:t> for software slide</a:t>
             </a:r>
-            <a:endParaRPr lang="en-US" dirty="0"/>
           </a:p>
         </p:txBody>
       </p:sp>
@@ -10528,10 +10289,9 @@
           <a:lstStyle/>
           <a:p>
             <a:r>
-              <a:rPr lang="en-US" dirty="0" smtClean="0"/>
+              <a:rPr lang="en-US" dirty="0"/>
               <a:t>Project File Structure</a:t>
             </a:r>
-            <a:endParaRPr lang="en-US" dirty="0"/>
           </a:p>
         </p:txBody>
       </p:sp>
@@ -10637,22 +10397,22 @@
           <a:lstStyle/>
           <a:p>
             <a:r>
-              <a:rPr lang="en-US" dirty="0" smtClean="0"/>
+              <a:rPr lang="en-US" dirty="0"/>
               <a:t>Top Level:</a:t>
             </a:r>
           </a:p>
           <a:p>
             <a:r>
-              <a:rPr lang="en-US" dirty="0" err="1" smtClean="0"/>
+              <a:rPr lang="en-US" dirty="0" err="1"/>
               <a:t>cdh</a:t>
             </a:r>
             <a:r>
-              <a:rPr lang="en-US" dirty="0" smtClean="0"/>
+              <a:rPr lang="en-US" dirty="0"/>
               <a:t>, boot, and main files</a:t>
             </a:r>
           </a:p>
           <a:p>
-            <a:endParaRPr lang="en-US" dirty="0" smtClean="0"/>
+            <a:endParaRPr lang="en-US" dirty="0"/>
           </a:p>
         </p:txBody>
       </p:sp>
@@ -10684,16 +10444,15 @@
           <a:lstStyle/>
           <a:p>
             <a:r>
-              <a:rPr lang="en-US" dirty="0" smtClean="0"/>
+              <a:rPr lang="en-US" dirty="0"/>
               <a:t>Task Directory:</a:t>
             </a:r>
           </a:p>
           <a:p>
             <a:r>
-              <a:rPr lang="en-US" dirty="0" smtClean="0"/>
+              <a:rPr lang="en-US" dirty="0"/>
               <a:t>Tasks</a:t>
             </a:r>
-            <a:endParaRPr lang="en-US" dirty="0"/>
           </a:p>
         </p:txBody>
       </p:sp>
@@ -10725,16 +10484,15 @@
           <a:lstStyle/>
           <a:p>
             <a:r>
-              <a:rPr lang="en-US" dirty="0" smtClean="0"/>
+              <a:rPr lang="en-US" dirty="0"/>
               <a:t>Lib Directory:</a:t>
             </a:r>
           </a:p>
           <a:p>
             <a:r>
-              <a:rPr lang="en-US" dirty="0" smtClean="0"/>
+              <a:rPr lang="en-US" dirty="0"/>
               <a:t>All lib files for usage. Each lib follows a fairly similar format </a:t>
             </a:r>
-            <a:endParaRPr lang="en-US" dirty="0"/>
           </a:p>
         </p:txBody>
       </p:sp>
@@ -10748,13 +10506,6 @@
   <p:clrMapOvr>
     <a:masterClrMapping/>
   </p:clrMapOvr>
-  <p:timing>
-    <p:tnLst>
-      <p:par>
-        <p:cTn id="1" dur="indefinite" restart="never" nodeType="tmRoot"/>
-      </p:par>
-    </p:tnLst>
-  </p:timing>
 </p:sld>
 </file>
 
@@ -10823,7 +10574,7 @@
           <a:p>
             <a:pPr algn="ctr"/>
             <a:r>
-              <a:rPr lang="en-US" sz="2800" dirty="0" smtClean="0"/>
+              <a:rPr lang="en-US" sz="2800" dirty="0"/>
               <a:t>Master Library</a:t>
             </a:r>
           </a:p>
@@ -10910,25 +10661,24 @@
           <a:lstStyle/>
           <a:p>
             <a:r>
-              <a:rPr lang="en-US" dirty="0" err="1" smtClean="0"/>
+              <a:rPr lang="en-US" dirty="0" err="1"/>
               <a:t>Init</a:t>
             </a:r>
             <a:r>
-              <a:rPr lang="en-US" dirty="0" smtClean="0"/>
+              <a:rPr lang="en-US" dirty="0"/>
               <a:t> routine initializes each device in </a:t>
             </a:r>
             <a:r>
-              <a:rPr lang="en-US" dirty="0" err="1" smtClean="0"/>
+              <a:rPr lang="en-US" dirty="0" err="1"/>
               <a:t>self.hardware</a:t>
             </a:r>
-            <a:endParaRPr lang="en-US" dirty="0" smtClean="0"/>
-          </a:p>
-          <a:p>
-            <a:r>
-              <a:rPr lang="en-US" dirty="0" smtClean="0"/>
+            <a:endParaRPr lang="en-US" dirty="0"/>
+          </a:p>
+          <a:p>
+            <a:r>
+              <a:rPr lang="en-US" dirty="0"/>
               <a:t>Each initialization for the devices is within its own try – except clause.</a:t>
             </a:r>
-            <a:endParaRPr lang="en-US" dirty="0"/>
           </a:p>
         </p:txBody>
       </p:sp>
@@ -10960,10 +10710,9 @@
           <a:lstStyle/>
           <a:p>
             <a:r>
-              <a:rPr lang="en-US" dirty="0" smtClean="0"/>
+              <a:rPr lang="en-US" dirty="0"/>
               <a:t>Hardware dictionary for each device in this library</a:t>
             </a:r>
-            <a:endParaRPr lang="en-US" dirty="0"/>
           </a:p>
         </p:txBody>
       </p:sp>
@@ -11019,11 +10768,11 @@
           <a:lstStyle/>
           <a:p>
             <a:r>
-              <a:rPr lang="en-US" dirty="0" smtClean="0"/>
+              <a:rPr lang="en-US" dirty="0"/>
               <a:t>Example device </a:t>
             </a:r>
             <a:r>
-              <a:rPr lang="en-US" dirty="0" err="1" smtClean="0"/>
+              <a:rPr lang="en-US" dirty="0" err="1"/>
               <a:t>init.</a:t>
             </a:r>
             <a:endParaRPr lang="en-US" dirty="0"/>
@@ -11040,13 +10789,6 @@
   <p:clrMapOvr>
     <a:masterClrMapping/>
   </p:clrMapOvr>
-  <p:timing>
-    <p:tnLst>
-      <p:par>
-        <p:cTn id="1" dur="indefinite" restart="never" nodeType="tmRoot"/>
-      </p:par>
-    </p:tnLst>
-  </p:timing>
 </p:sld>
 </file>
 
